--- a/DD1/H_Mar21/C_webscraping.pptx
+++ b/DD1/H_Mar21/C_webscraping.pptx
@@ -5,15 +5,24 @@
     <p:sldMasterId id="2147483660" r:id="rId1"/>
   </p:sldMasterIdLst>
   <p:notesMasterIdLst>
-    <p:notesMasterId r:id="rId8"/>
+    <p:notesMasterId r:id="rId17"/>
   </p:notesMasterIdLst>
   <p:sldIdLst>
     <p:sldId id="297" r:id="rId2"/>
     <p:sldId id="320" r:id="rId3"/>
     <p:sldId id="323" r:id="rId4"/>
     <p:sldId id="831" r:id="rId5"/>
-    <p:sldId id="322" r:id="rId6"/>
-    <p:sldId id="324" r:id="rId7"/>
+    <p:sldId id="834" r:id="rId6"/>
+    <p:sldId id="835" r:id="rId7"/>
+    <p:sldId id="837" r:id="rId8"/>
+    <p:sldId id="838" r:id="rId9"/>
+    <p:sldId id="839" r:id="rId10"/>
+    <p:sldId id="840" r:id="rId11"/>
+    <p:sldId id="842" r:id="rId12"/>
+    <p:sldId id="841" r:id="rId13"/>
+    <p:sldId id="843" r:id="rId14"/>
+    <p:sldId id="844" r:id="rId15"/>
+    <p:sldId id="836" r:id="rId16"/>
   </p:sldIdLst>
   <p:sldSz cx="9144000" cy="6858000" type="screen4x3"/>
   <p:notesSz cx="6858000" cy="9144000"/>
@@ -213,7 +222,7 @@
           <a:p>
             <a:fld id="{B0C0A60C-850A-4EA4-9C14-A8FE98B94505}" type="datetimeFigureOut">
               <a:rPr lang="en-US" smtClean="0"/>
-              <a:t>3/20/23</a:t>
+              <a:t>3/21/23</a:t>
             </a:fld>
             <a:endParaRPr lang="en-US"/>
           </a:p>
@@ -612,7 +621,7 @@
           <a:p>
             <a:fld id="{5738B90E-0779-4C36-915C-6F05FCD89456}" type="datetime1">
               <a:rPr lang="en-US" smtClean="0"/>
-              <a:t>3/20/23</a:t>
+              <a:t>3/21/23</a:t>
             </a:fld>
             <a:endParaRPr lang="en-US"/>
           </a:p>
@@ -789,7 +798,7 @@
           <a:p>
             <a:fld id="{7B9EA29D-D431-42FE-B7B6-AAE4454C77D3}" type="datetime1">
               <a:rPr lang="en-US" smtClean="0"/>
-              <a:t>3/20/23</a:t>
+              <a:t>3/21/23</a:t>
             </a:fld>
             <a:endParaRPr lang="en-US"/>
           </a:p>
@@ -1026,7 +1035,7 @@
           <a:p>
             <a:fld id="{690D8A1E-EA8F-46C1-B891-AE0C00D9C314}" type="datetime1">
               <a:rPr lang="en-US" smtClean="0"/>
-              <a:t>3/20/23</a:t>
+              <a:t>3/21/23</a:t>
             </a:fld>
             <a:endParaRPr lang="en-US"/>
           </a:p>
@@ -1279,7 +1288,7 @@
           <a:p>
             <a:fld id="{D753EFC8-4232-4598-94F6-94C0EBAFC469}" type="datetime1">
               <a:rPr lang="en-US" smtClean="0"/>
-              <a:t>3/20/23</a:t>
+              <a:t>3/21/23</a:t>
             </a:fld>
             <a:endParaRPr lang="en-US"/>
           </a:p>
@@ -1553,7 +1562,7 @@
           <a:p>
             <a:fld id="{F3161074-1C18-4AE7-957D-F18524378C85}" type="datetime1">
               <a:rPr lang="en-US" smtClean="0"/>
-              <a:t>3/20/23</a:t>
+              <a:t>3/21/23</a:t>
             </a:fld>
             <a:endParaRPr lang="en-US"/>
           </a:p>
@@ -1786,7 +1795,7 @@
           <a:p>
             <a:fld id="{69BE256C-8D9A-4404-B47D-41A1AE514425}" type="datetime1">
               <a:rPr lang="en-US" smtClean="0"/>
-              <a:t>3/20/23</a:t>
+              <a:t>3/21/23</a:t>
             </a:fld>
             <a:endParaRPr lang="en-US"/>
           </a:p>
@@ -2179,7 +2188,7 @@
           <a:p>
             <a:fld id="{66CB2154-9035-4012-8189-BAAB61C5A5EE}" type="datetime1">
               <a:rPr lang="en-US" smtClean="0"/>
-              <a:t>3/20/23</a:t>
+              <a:t>3/21/23</a:t>
             </a:fld>
             <a:endParaRPr lang="en-US"/>
           </a:p>
@@ -2330,7 +2339,7 @@
           <a:p>
             <a:fld id="{6700A58B-DD98-43D0-B791-721480A02982}" type="datetime1">
               <a:rPr lang="en-US" smtClean="0"/>
-              <a:t>3/20/23</a:t>
+              <a:t>3/21/23</a:t>
             </a:fld>
             <a:endParaRPr lang="en-US"/>
           </a:p>
@@ -2481,7 +2490,7 @@
           <a:p>
             <a:fld id="{7DB6E382-4F61-4E24-BE1A-377EC83D0E3A}" type="datetime1">
               <a:rPr lang="en-US" smtClean="0"/>
-              <a:t>3/20/23</a:t>
+              <a:t>3/21/23</a:t>
             </a:fld>
             <a:endParaRPr lang="en-US"/>
           </a:p>
@@ -2751,7 +2760,7 @@
           <a:p>
             <a:fld id="{4142EED6-FC16-45B9-B8C4-2BC5DBA88325}" type="datetime1">
               <a:rPr lang="en-US" smtClean="0"/>
-              <a:t>3/20/23</a:t>
+              <a:t>3/21/23</a:t>
             </a:fld>
             <a:endParaRPr lang="en-US"/>
           </a:p>
@@ -3028,7 +3037,7 @@
           <a:p>
             <a:fld id="{DF59512B-4F1D-43D7-8819-2F53FEF69650}" type="datetime1">
               <a:rPr lang="en-US" smtClean="0"/>
-              <a:t>3/20/23</a:t>
+              <a:t>3/21/23</a:t>
             </a:fld>
             <a:endParaRPr lang="en-US"/>
           </a:p>
@@ -3263,7 +3272,7 @@
           <a:p>
             <a:fld id="{08437B94-E2BF-44DC-ADC5-B05FC9934E9D}" type="datetime1">
               <a:rPr lang="en-US" smtClean="0"/>
-              <a:t>3/20/23</a:t>
+              <a:t>3/21/23</a:t>
             </a:fld>
             <a:endParaRPr lang="en-US"/>
           </a:p>
@@ -3791,7 +3800,7 @@
           <a:p>
             <a:fld id="{5738B90E-0779-4C36-915C-6F05FCD89456}" type="datetime1">
               <a:rPr lang="en-US" smtClean="0"/>
-              <a:t>3/20/23</a:t>
+              <a:t>3/21/23</a:t>
             </a:fld>
             <a:endParaRPr lang="en-US"/>
           </a:p>
@@ -3834,6 +3843,1497 @@
     <p:extLst>
       <p:ext uri="{BB962C8B-B14F-4D97-AF65-F5344CB8AC3E}">
         <p14:creationId xmlns:p14="http://schemas.microsoft.com/office/powerpoint/2010/main" val="2267810283"/>
+      </p:ext>
+    </p:extLst>
+  </p:cSld>
+  <p:clrMapOvr>
+    <a:masterClrMapping/>
+  </p:clrMapOvr>
+</p:sld>
+</file>
+
+<file path=ppt/slides/slide10.xml><?xml version="1.0" encoding="utf-8"?>
+<p:sld xmlns:a="http://schemas.openxmlformats.org/drawingml/2006/main" xmlns:r="http://schemas.openxmlformats.org/officeDocument/2006/relationships" xmlns:p="http://schemas.openxmlformats.org/presentationml/2006/main">
+  <p:cSld>
+    <p:spTree>
+      <p:nvGrpSpPr>
+        <p:cNvPr id="1" name=""/>
+        <p:cNvGrpSpPr/>
+        <p:nvPr/>
+      </p:nvGrpSpPr>
+      <p:grpSpPr>
+        <a:xfrm>
+          <a:off x="0" y="0"/>
+          <a:ext cx="0" cy="0"/>
+          <a:chOff x="0" y="0"/>
+          <a:chExt cx="0" cy="0"/>
+        </a:xfrm>
+      </p:grpSpPr>
+      <p:sp>
+        <p:nvSpPr>
+          <p:cNvPr id="2" name="Date Placeholder 1">
+            <a:extLst>
+              <a:ext uri="{FF2B5EF4-FFF2-40B4-BE49-F238E27FC236}">
+                <a16:creationId xmlns:a16="http://schemas.microsoft.com/office/drawing/2014/main" id="{4FD96C4D-487A-A3B3-E4EC-5C78B189E875}"/>
+              </a:ext>
+            </a:extLst>
+          </p:cNvPr>
+          <p:cNvSpPr>
+            <a:spLocks noGrp="1"/>
+          </p:cNvSpPr>
+          <p:nvPr>
+            <p:ph type="dt" sz="half" idx="10"/>
+          </p:nvPr>
+        </p:nvSpPr>
+        <p:spPr/>
+        <p:txBody>
+          <a:bodyPr/>
+          <a:lstStyle/>
+          <a:p>
+            <a:fld id="{6700A58B-DD98-43D0-B791-721480A02982}" type="datetime1">
+              <a:rPr lang="en-US" smtClean="0"/>
+              <a:t>3/21/23</a:t>
+            </a:fld>
+            <a:endParaRPr lang="en-US"/>
+          </a:p>
+        </p:txBody>
+      </p:sp>
+      <p:sp>
+        <p:nvSpPr>
+          <p:cNvPr id="3" name="Title 2">
+            <a:extLst>
+              <a:ext uri="{FF2B5EF4-FFF2-40B4-BE49-F238E27FC236}">
+                <a16:creationId xmlns:a16="http://schemas.microsoft.com/office/drawing/2014/main" id="{111FAF9F-3018-441B-B19A-C6223880BB54}"/>
+              </a:ext>
+            </a:extLst>
+          </p:cNvPr>
+          <p:cNvSpPr>
+            <a:spLocks noGrp="1"/>
+          </p:cNvSpPr>
+          <p:nvPr>
+            <p:ph type="title"/>
+          </p:nvPr>
+        </p:nvSpPr>
+        <p:spPr/>
+        <p:txBody>
+          <a:bodyPr/>
+          <a:lstStyle/>
+          <a:p>
+            <a:endParaRPr lang="en-US"/>
+          </a:p>
+        </p:txBody>
+      </p:sp>
+      <p:sp>
+        <p:nvSpPr>
+          <p:cNvPr id="4" name="Slide Number Placeholder 3">
+            <a:extLst>
+              <a:ext uri="{FF2B5EF4-FFF2-40B4-BE49-F238E27FC236}">
+                <a16:creationId xmlns:a16="http://schemas.microsoft.com/office/drawing/2014/main" id="{25805174-CC1F-D7E0-C39C-3904FF0113BE}"/>
+              </a:ext>
+            </a:extLst>
+          </p:cNvPr>
+          <p:cNvSpPr>
+            <a:spLocks noGrp="1"/>
+          </p:cNvSpPr>
+          <p:nvPr>
+            <p:ph type="sldNum" sz="quarter" idx="12"/>
+          </p:nvPr>
+        </p:nvSpPr>
+        <p:spPr/>
+        <p:txBody>
+          <a:bodyPr/>
+          <a:lstStyle/>
+          <a:p>
+            <a:fld id="{37290FF7-652B-4475-AEAB-8B1A5D23AE09}" type="slidenum">
+              <a:rPr lang="en-US" smtClean="0"/>
+              <a:t>10</a:t>
+            </a:fld>
+            <a:endParaRPr lang="en-US"/>
+          </a:p>
+        </p:txBody>
+      </p:sp>
+      <p:sp>
+        <p:nvSpPr>
+          <p:cNvPr id="5" name="Footer Placeholder 4">
+            <a:extLst>
+              <a:ext uri="{FF2B5EF4-FFF2-40B4-BE49-F238E27FC236}">
+                <a16:creationId xmlns:a16="http://schemas.microsoft.com/office/drawing/2014/main" id="{399D2DE3-EF63-B8E5-C594-4344E80B717E}"/>
+              </a:ext>
+            </a:extLst>
+          </p:cNvPr>
+          <p:cNvSpPr>
+            <a:spLocks noGrp="1"/>
+          </p:cNvSpPr>
+          <p:nvPr>
+            <p:ph type="ftr" sz="quarter" idx="3"/>
+          </p:nvPr>
+        </p:nvSpPr>
+        <p:spPr/>
+        <p:txBody>
+          <a:bodyPr/>
+          <a:lstStyle/>
+          <a:p>
+            <a:r>
+              <a:rPr lang="en-US"/>
+              <a:t>Kwartler CSCI 6</a:t>
+            </a:r>
+            <a:endParaRPr lang="en-US" dirty="0"/>
+          </a:p>
+        </p:txBody>
+      </p:sp>
+      <p:pic>
+        <p:nvPicPr>
+          <p:cNvPr id="6" name="Picture 5">
+            <a:extLst>
+              <a:ext uri="{FF2B5EF4-FFF2-40B4-BE49-F238E27FC236}">
+                <a16:creationId xmlns:a16="http://schemas.microsoft.com/office/drawing/2014/main" id="{F654F55A-EBE1-0DDC-2864-5CEA9697C4C6}"/>
+              </a:ext>
+            </a:extLst>
+          </p:cNvPr>
+          <p:cNvPicPr>
+            <a:picLocks noChangeAspect="1"/>
+          </p:cNvPicPr>
+          <p:nvPr/>
+        </p:nvPicPr>
+        <p:blipFill>
+          <a:blip r:embed="rId2"/>
+          <a:stretch>
+            <a:fillRect/>
+          </a:stretch>
+        </p:blipFill>
+        <p:spPr>
+          <a:xfrm>
+            <a:off x="685800" y="2840347"/>
+            <a:ext cx="7772400" cy="1177306"/>
+          </a:xfrm>
+          <a:prstGeom prst="rect">
+            <a:avLst/>
+          </a:prstGeom>
+        </p:spPr>
+      </p:pic>
+      <p:sp>
+        <p:nvSpPr>
+          <p:cNvPr id="7" name="TextBox 6">
+            <a:extLst>
+              <a:ext uri="{FF2B5EF4-FFF2-40B4-BE49-F238E27FC236}">
+                <a16:creationId xmlns:a16="http://schemas.microsoft.com/office/drawing/2014/main" id="{257C428E-27E7-983A-BEF5-695A8DB273B3}"/>
+              </a:ext>
+            </a:extLst>
+          </p:cNvPr>
+          <p:cNvSpPr txBox="1"/>
+          <p:nvPr/>
+        </p:nvSpPr>
+        <p:spPr>
+          <a:xfrm>
+            <a:off x="628650" y="1664287"/>
+            <a:ext cx="8199882" cy="923330"/>
+          </a:xfrm>
+          <a:prstGeom prst="rect">
+            <a:avLst/>
+          </a:prstGeom>
+          <a:noFill/>
+        </p:spPr>
+        <p:txBody>
+          <a:bodyPr wrap="square" rtlCol="0">
+            <a:spAutoFit/>
+          </a:bodyPr>
+          <a:lstStyle/>
+          <a:p>
+            <a:r>
+              <a:rPr lang="en-US" dirty="0"/>
+              <a:t>Paste the </a:t>
+            </a:r>
+            <a:r>
+              <a:rPr lang="en-US" dirty="0" err="1"/>
+              <a:t>xpath</a:t>
+            </a:r>
+            <a:r>
+              <a:rPr lang="en-US" dirty="0"/>
+              <a:t> into your code.  Here the </a:t>
+            </a:r>
+            <a:r>
+              <a:rPr lang="en-US" dirty="0" err="1"/>
+              <a:t>pg</a:t>
+            </a:r>
+            <a:r>
+              <a:rPr lang="en-US" dirty="0"/>
+              <a:t> object was created previously and now we select the html nodes of the document at this location then the text itself is extracted.</a:t>
+            </a:r>
+          </a:p>
+        </p:txBody>
+      </p:sp>
+    </p:spTree>
+    <p:extLst>
+      <p:ext uri="{BB962C8B-B14F-4D97-AF65-F5344CB8AC3E}">
+        <p14:creationId xmlns:p14="http://schemas.microsoft.com/office/powerpoint/2010/main" val="2868220086"/>
+      </p:ext>
+    </p:extLst>
+  </p:cSld>
+  <p:clrMapOvr>
+    <a:masterClrMapping/>
+  </p:clrMapOvr>
+</p:sld>
+</file>
+
+<file path=ppt/slides/slide11.xml><?xml version="1.0" encoding="utf-8"?>
+<p:sld xmlns:a="http://schemas.openxmlformats.org/drawingml/2006/main" xmlns:r="http://schemas.openxmlformats.org/officeDocument/2006/relationships" xmlns:p="http://schemas.openxmlformats.org/presentationml/2006/main">
+  <p:cSld>
+    <p:spTree>
+      <p:nvGrpSpPr>
+        <p:cNvPr id="1" name=""/>
+        <p:cNvGrpSpPr/>
+        <p:nvPr/>
+      </p:nvGrpSpPr>
+      <p:grpSpPr>
+        <a:xfrm>
+          <a:off x="0" y="0"/>
+          <a:ext cx="0" cy="0"/>
+          <a:chOff x="0" y="0"/>
+          <a:chExt cx="0" cy="0"/>
+        </a:xfrm>
+      </p:grpSpPr>
+      <p:sp>
+        <p:nvSpPr>
+          <p:cNvPr id="2" name="Date Placeholder 1">
+            <a:extLst>
+              <a:ext uri="{FF2B5EF4-FFF2-40B4-BE49-F238E27FC236}">
+                <a16:creationId xmlns:a16="http://schemas.microsoft.com/office/drawing/2014/main" id="{25E20587-031B-2BA9-B443-E3370AAF7501}"/>
+              </a:ext>
+            </a:extLst>
+          </p:cNvPr>
+          <p:cNvSpPr>
+            <a:spLocks noGrp="1"/>
+          </p:cNvSpPr>
+          <p:nvPr>
+            <p:ph type="dt" sz="half" idx="10"/>
+          </p:nvPr>
+        </p:nvSpPr>
+        <p:spPr/>
+        <p:txBody>
+          <a:bodyPr/>
+          <a:lstStyle/>
+          <a:p>
+            <a:fld id="{6700A58B-DD98-43D0-B791-721480A02982}" type="datetime1">
+              <a:rPr lang="en-US" smtClean="0"/>
+              <a:t>3/21/23</a:t>
+            </a:fld>
+            <a:endParaRPr lang="en-US"/>
+          </a:p>
+        </p:txBody>
+      </p:sp>
+      <p:sp>
+        <p:nvSpPr>
+          <p:cNvPr id="3" name="Title 2">
+            <a:extLst>
+              <a:ext uri="{FF2B5EF4-FFF2-40B4-BE49-F238E27FC236}">
+                <a16:creationId xmlns:a16="http://schemas.microsoft.com/office/drawing/2014/main" id="{91C8C74E-CB75-2FD6-A4AB-9C256A85EF94}"/>
+              </a:ext>
+            </a:extLst>
+          </p:cNvPr>
+          <p:cNvSpPr>
+            <a:spLocks noGrp="1"/>
+          </p:cNvSpPr>
+          <p:nvPr>
+            <p:ph type="title"/>
+          </p:nvPr>
+        </p:nvSpPr>
+        <p:spPr/>
+        <p:txBody>
+          <a:bodyPr/>
+          <a:lstStyle/>
+          <a:p>
+            <a:r>
+              <a:rPr lang="en-US" dirty="0"/>
+              <a:t>Cascading Style Sheets</a:t>
+            </a:r>
+          </a:p>
+        </p:txBody>
+      </p:sp>
+      <p:sp>
+        <p:nvSpPr>
+          <p:cNvPr id="4" name="Slide Number Placeholder 3">
+            <a:extLst>
+              <a:ext uri="{FF2B5EF4-FFF2-40B4-BE49-F238E27FC236}">
+                <a16:creationId xmlns:a16="http://schemas.microsoft.com/office/drawing/2014/main" id="{7A3D604D-B98A-A4D8-7034-A0CF05541480}"/>
+              </a:ext>
+            </a:extLst>
+          </p:cNvPr>
+          <p:cNvSpPr>
+            <a:spLocks noGrp="1"/>
+          </p:cNvSpPr>
+          <p:nvPr>
+            <p:ph type="sldNum" sz="quarter" idx="12"/>
+          </p:nvPr>
+        </p:nvSpPr>
+        <p:spPr/>
+        <p:txBody>
+          <a:bodyPr/>
+          <a:lstStyle/>
+          <a:p>
+            <a:fld id="{37290FF7-652B-4475-AEAB-8B1A5D23AE09}" type="slidenum">
+              <a:rPr lang="en-US" smtClean="0"/>
+              <a:t>11</a:t>
+            </a:fld>
+            <a:endParaRPr lang="en-US"/>
+          </a:p>
+        </p:txBody>
+      </p:sp>
+      <p:sp>
+        <p:nvSpPr>
+          <p:cNvPr id="5" name="Footer Placeholder 4">
+            <a:extLst>
+              <a:ext uri="{FF2B5EF4-FFF2-40B4-BE49-F238E27FC236}">
+                <a16:creationId xmlns:a16="http://schemas.microsoft.com/office/drawing/2014/main" id="{AC5F6656-FD8B-E8DA-9F96-7ECA6F697A1A}"/>
+              </a:ext>
+            </a:extLst>
+          </p:cNvPr>
+          <p:cNvSpPr>
+            <a:spLocks noGrp="1"/>
+          </p:cNvSpPr>
+          <p:nvPr>
+            <p:ph type="ftr" sz="quarter" idx="3"/>
+          </p:nvPr>
+        </p:nvSpPr>
+        <p:spPr/>
+        <p:txBody>
+          <a:bodyPr/>
+          <a:lstStyle/>
+          <a:p>
+            <a:r>
+              <a:rPr lang="en-US"/>
+              <a:t>Kwartler CSCI 6</a:t>
+            </a:r>
+            <a:endParaRPr lang="en-US" dirty="0"/>
+          </a:p>
+        </p:txBody>
+      </p:sp>
+      <p:sp>
+        <p:nvSpPr>
+          <p:cNvPr id="6" name="TextBox 5">
+            <a:extLst>
+              <a:ext uri="{FF2B5EF4-FFF2-40B4-BE49-F238E27FC236}">
+                <a16:creationId xmlns:a16="http://schemas.microsoft.com/office/drawing/2014/main" id="{2FA4098E-237F-7F77-8365-75462E507FB2}"/>
+              </a:ext>
+            </a:extLst>
+          </p:cNvPr>
+          <p:cNvSpPr txBox="1"/>
+          <p:nvPr/>
+        </p:nvSpPr>
+        <p:spPr>
+          <a:xfrm>
+            <a:off x="231648" y="4762885"/>
+            <a:ext cx="8705088" cy="646331"/>
+          </a:xfrm>
+          <a:prstGeom prst="rect">
+            <a:avLst/>
+          </a:prstGeom>
+          <a:noFill/>
+        </p:spPr>
+        <p:txBody>
+          <a:bodyPr wrap="square" rtlCol="0">
+            <a:spAutoFit/>
+          </a:bodyPr>
+          <a:lstStyle/>
+          <a:p>
+            <a:r>
+              <a:rPr lang="en-US" dirty="0"/>
+              <a:t>Many sites use CSS with named elements called a “selector”.  These named selectors can be used in place of </a:t>
+            </a:r>
+            <a:r>
+              <a:rPr lang="en-US" dirty="0" err="1"/>
+              <a:t>xpath</a:t>
+            </a:r>
+            <a:r>
+              <a:rPr lang="en-US" dirty="0"/>
+              <a:t> sometimes.  </a:t>
+            </a:r>
+          </a:p>
+        </p:txBody>
+      </p:sp>
+      <p:sp>
+        <p:nvSpPr>
+          <p:cNvPr id="8" name="TextBox 7">
+            <a:extLst>
+              <a:ext uri="{FF2B5EF4-FFF2-40B4-BE49-F238E27FC236}">
+                <a16:creationId xmlns:a16="http://schemas.microsoft.com/office/drawing/2014/main" id="{B5F0C701-7382-8056-82E2-4E5B73A3A2A4}"/>
+              </a:ext>
+            </a:extLst>
+          </p:cNvPr>
+          <p:cNvSpPr txBox="1"/>
+          <p:nvPr/>
+        </p:nvSpPr>
+        <p:spPr>
+          <a:xfrm>
+            <a:off x="450342" y="1442073"/>
+            <a:ext cx="8065008" cy="923330"/>
+          </a:xfrm>
+          <a:prstGeom prst="rect">
+            <a:avLst/>
+          </a:prstGeom>
+          <a:noFill/>
+        </p:spPr>
+        <p:txBody>
+          <a:bodyPr wrap="square">
+            <a:spAutoFit/>
+          </a:bodyPr>
+          <a:lstStyle/>
+          <a:p>
+            <a:r>
+              <a:rPr lang="en-US" b="0" i="0" dirty="0">
+                <a:solidFill>
+                  <a:srgbClr val="4D5156"/>
+                </a:solidFill>
+                <a:effectLst/>
+                <a:latin typeface="Roboto" panose="02000000000000000000" pitchFamily="2" charset="0"/>
+              </a:rPr>
+              <a:t>Cascading Style Sheets is a style sheet language used for describing the presentation of a document written in a markup language such as HTML or XML</a:t>
+            </a:r>
+            <a:endParaRPr lang="en-US" dirty="0"/>
+          </a:p>
+        </p:txBody>
+      </p:sp>
+      <p:pic>
+        <p:nvPicPr>
+          <p:cNvPr id="9" name="Picture 8">
+            <a:extLst>
+              <a:ext uri="{FF2B5EF4-FFF2-40B4-BE49-F238E27FC236}">
+                <a16:creationId xmlns:a16="http://schemas.microsoft.com/office/drawing/2014/main" id="{BD129899-7659-D10E-72B7-E9DE6EE2BF37}"/>
+              </a:ext>
+            </a:extLst>
+          </p:cNvPr>
+          <p:cNvPicPr>
+            <a:picLocks noChangeAspect="1"/>
+          </p:cNvPicPr>
+          <p:nvPr/>
+        </p:nvPicPr>
+        <p:blipFill>
+          <a:blip r:embed="rId2"/>
+          <a:stretch>
+            <a:fillRect/>
+          </a:stretch>
+        </p:blipFill>
+        <p:spPr>
+          <a:xfrm>
+            <a:off x="3422650" y="3136900"/>
+            <a:ext cx="2298700" cy="584200"/>
+          </a:xfrm>
+          <a:prstGeom prst="rect">
+            <a:avLst/>
+          </a:prstGeom>
+        </p:spPr>
+      </p:pic>
+    </p:spTree>
+    <p:extLst>
+      <p:ext uri="{BB962C8B-B14F-4D97-AF65-F5344CB8AC3E}">
+        <p14:creationId xmlns:p14="http://schemas.microsoft.com/office/powerpoint/2010/main" val="2933447729"/>
+      </p:ext>
+    </p:extLst>
+  </p:cSld>
+  <p:clrMapOvr>
+    <a:masterClrMapping/>
+  </p:clrMapOvr>
+</p:sld>
+</file>
+
+<file path=ppt/slides/slide12.xml><?xml version="1.0" encoding="utf-8"?>
+<p:sld xmlns:a="http://schemas.openxmlformats.org/drawingml/2006/main" xmlns:r="http://schemas.openxmlformats.org/officeDocument/2006/relationships" xmlns:p="http://schemas.openxmlformats.org/presentationml/2006/main">
+  <p:cSld>
+    <p:spTree>
+      <p:nvGrpSpPr>
+        <p:cNvPr id="1" name=""/>
+        <p:cNvGrpSpPr/>
+        <p:nvPr/>
+      </p:nvGrpSpPr>
+      <p:grpSpPr>
+        <a:xfrm>
+          <a:off x="0" y="0"/>
+          <a:ext cx="0" cy="0"/>
+          <a:chOff x="0" y="0"/>
+          <a:chExt cx="0" cy="0"/>
+        </a:xfrm>
+      </p:grpSpPr>
+      <p:sp>
+        <p:nvSpPr>
+          <p:cNvPr id="2" name="Date Placeholder 1">
+            <a:extLst>
+              <a:ext uri="{FF2B5EF4-FFF2-40B4-BE49-F238E27FC236}">
+                <a16:creationId xmlns:a16="http://schemas.microsoft.com/office/drawing/2014/main" id="{F6DEB5AC-2258-ABD3-15D7-400B7CEF549C}"/>
+              </a:ext>
+            </a:extLst>
+          </p:cNvPr>
+          <p:cNvSpPr>
+            <a:spLocks noGrp="1"/>
+          </p:cNvSpPr>
+          <p:nvPr>
+            <p:ph type="dt" sz="half" idx="10"/>
+          </p:nvPr>
+        </p:nvSpPr>
+        <p:spPr/>
+        <p:txBody>
+          <a:bodyPr/>
+          <a:lstStyle/>
+          <a:p>
+            <a:fld id="{6700A58B-DD98-43D0-B791-721480A02982}" type="datetime1">
+              <a:rPr lang="en-US" smtClean="0"/>
+              <a:t>3/21/23</a:t>
+            </a:fld>
+            <a:endParaRPr lang="en-US"/>
+          </a:p>
+        </p:txBody>
+      </p:sp>
+      <p:sp>
+        <p:nvSpPr>
+          <p:cNvPr id="3" name="Title 2">
+            <a:extLst>
+              <a:ext uri="{FF2B5EF4-FFF2-40B4-BE49-F238E27FC236}">
+                <a16:creationId xmlns:a16="http://schemas.microsoft.com/office/drawing/2014/main" id="{3DB0C24D-BDBE-F4A1-DA47-8ADC4A42AFD5}"/>
+              </a:ext>
+            </a:extLst>
+          </p:cNvPr>
+          <p:cNvSpPr>
+            <a:spLocks noGrp="1"/>
+          </p:cNvSpPr>
+          <p:nvPr>
+            <p:ph type="title"/>
+          </p:nvPr>
+        </p:nvSpPr>
+        <p:spPr/>
+        <p:txBody>
+          <a:bodyPr/>
+          <a:lstStyle/>
+          <a:p>
+            <a:r>
+              <a:rPr lang="en-US" dirty="0"/>
+              <a:t>Easy to use Chrome Add-in</a:t>
+            </a:r>
+          </a:p>
+        </p:txBody>
+      </p:sp>
+      <p:sp>
+        <p:nvSpPr>
+          <p:cNvPr id="4" name="Slide Number Placeholder 3">
+            <a:extLst>
+              <a:ext uri="{FF2B5EF4-FFF2-40B4-BE49-F238E27FC236}">
+                <a16:creationId xmlns:a16="http://schemas.microsoft.com/office/drawing/2014/main" id="{0673B675-18C9-B32C-DFB2-D9805258420B}"/>
+              </a:ext>
+            </a:extLst>
+          </p:cNvPr>
+          <p:cNvSpPr>
+            <a:spLocks noGrp="1"/>
+          </p:cNvSpPr>
+          <p:nvPr>
+            <p:ph type="sldNum" sz="quarter" idx="12"/>
+          </p:nvPr>
+        </p:nvSpPr>
+        <p:spPr/>
+        <p:txBody>
+          <a:bodyPr/>
+          <a:lstStyle/>
+          <a:p>
+            <a:fld id="{37290FF7-652B-4475-AEAB-8B1A5D23AE09}" type="slidenum">
+              <a:rPr lang="en-US" smtClean="0"/>
+              <a:t>12</a:t>
+            </a:fld>
+            <a:endParaRPr lang="en-US"/>
+          </a:p>
+        </p:txBody>
+      </p:sp>
+      <p:sp>
+        <p:nvSpPr>
+          <p:cNvPr id="5" name="Footer Placeholder 4">
+            <a:extLst>
+              <a:ext uri="{FF2B5EF4-FFF2-40B4-BE49-F238E27FC236}">
+                <a16:creationId xmlns:a16="http://schemas.microsoft.com/office/drawing/2014/main" id="{D16D0CC6-F121-611F-D6CC-D19235AE1EE5}"/>
+              </a:ext>
+            </a:extLst>
+          </p:cNvPr>
+          <p:cNvSpPr>
+            <a:spLocks noGrp="1"/>
+          </p:cNvSpPr>
+          <p:nvPr>
+            <p:ph type="ftr" sz="quarter" idx="3"/>
+          </p:nvPr>
+        </p:nvSpPr>
+        <p:spPr/>
+        <p:txBody>
+          <a:bodyPr/>
+          <a:lstStyle/>
+          <a:p>
+            <a:r>
+              <a:rPr lang="en-US"/>
+              <a:t>Kwartler CSCI 6</a:t>
+            </a:r>
+            <a:endParaRPr lang="en-US" dirty="0"/>
+          </a:p>
+        </p:txBody>
+      </p:sp>
+      <p:pic>
+        <p:nvPicPr>
+          <p:cNvPr id="6" name="Picture 5">
+            <a:extLst>
+              <a:ext uri="{FF2B5EF4-FFF2-40B4-BE49-F238E27FC236}">
+                <a16:creationId xmlns:a16="http://schemas.microsoft.com/office/drawing/2014/main" id="{D6A06CD7-7633-C772-3804-9366B4A68252}"/>
+              </a:ext>
+            </a:extLst>
+          </p:cNvPr>
+          <p:cNvPicPr>
+            <a:picLocks noChangeAspect="1"/>
+          </p:cNvPicPr>
+          <p:nvPr/>
+        </p:nvPicPr>
+        <p:blipFill>
+          <a:blip r:embed="rId2"/>
+          <a:stretch>
+            <a:fillRect/>
+          </a:stretch>
+        </p:blipFill>
+        <p:spPr>
+          <a:xfrm>
+            <a:off x="2120532" y="1316501"/>
+            <a:ext cx="5194668" cy="4224997"/>
+          </a:xfrm>
+          <a:prstGeom prst="rect">
+            <a:avLst/>
+          </a:prstGeom>
+        </p:spPr>
+      </p:pic>
+    </p:spTree>
+    <p:extLst>
+      <p:ext uri="{BB962C8B-B14F-4D97-AF65-F5344CB8AC3E}">
+        <p14:creationId xmlns:p14="http://schemas.microsoft.com/office/powerpoint/2010/main" val="697404304"/>
+      </p:ext>
+    </p:extLst>
+  </p:cSld>
+  <p:clrMapOvr>
+    <a:masterClrMapping/>
+  </p:clrMapOvr>
+</p:sld>
+</file>
+
+<file path=ppt/slides/slide13.xml><?xml version="1.0" encoding="utf-8"?>
+<p:sld xmlns:a="http://schemas.openxmlformats.org/drawingml/2006/main" xmlns:r="http://schemas.openxmlformats.org/officeDocument/2006/relationships" xmlns:p="http://schemas.openxmlformats.org/presentationml/2006/main">
+  <p:cSld>
+    <p:spTree>
+      <p:nvGrpSpPr>
+        <p:cNvPr id="1" name=""/>
+        <p:cNvGrpSpPr/>
+        <p:nvPr/>
+      </p:nvGrpSpPr>
+      <p:grpSpPr>
+        <a:xfrm>
+          <a:off x="0" y="0"/>
+          <a:ext cx="0" cy="0"/>
+          <a:chOff x="0" y="0"/>
+          <a:chExt cx="0" cy="0"/>
+        </a:xfrm>
+      </p:grpSpPr>
+      <p:sp>
+        <p:nvSpPr>
+          <p:cNvPr id="2" name="Date Placeholder 1">
+            <a:extLst>
+              <a:ext uri="{FF2B5EF4-FFF2-40B4-BE49-F238E27FC236}">
+                <a16:creationId xmlns:a16="http://schemas.microsoft.com/office/drawing/2014/main" id="{C76961A3-D6D2-26C8-8923-10B5153A1766}"/>
+              </a:ext>
+            </a:extLst>
+          </p:cNvPr>
+          <p:cNvSpPr>
+            <a:spLocks noGrp="1"/>
+          </p:cNvSpPr>
+          <p:nvPr>
+            <p:ph type="dt" sz="half" idx="10"/>
+          </p:nvPr>
+        </p:nvSpPr>
+        <p:spPr/>
+        <p:txBody>
+          <a:bodyPr/>
+          <a:lstStyle/>
+          <a:p>
+            <a:fld id="{6700A58B-DD98-43D0-B791-721480A02982}" type="datetime1">
+              <a:rPr lang="en-US" smtClean="0"/>
+              <a:t>3/21/23</a:t>
+            </a:fld>
+            <a:endParaRPr lang="en-US"/>
+          </a:p>
+        </p:txBody>
+      </p:sp>
+      <p:sp>
+        <p:nvSpPr>
+          <p:cNvPr id="3" name="Title 2">
+            <a:extLst>
+              <a:ext uri="{FF2B5EF4-FFF2-40B4-BE49-F238E27FC236}">
+                <a16:creationId xmlns:a16="http://schemas.microsoft.com/office/drawing/2014/main" id="{18E1D0BC-F4F6-2710-7545-247590B94723}"/>
+              </a:ext>
+            </a:extLst>
+          </p:cNvPr>
+          <p:cNvSpPr>
+            <a:spLocks noGrp="1"/>
+          </p:cNvSpPr>
+          <p:nvPr>
+            <p:ph type="title"/>
+          </p:nvPr>
+        </p:nvSpPr>
+        <p:spPr/>
+        <p:txBody>
+          <a:bodyPr/>
+          <a:lstStyle/>
+          <a:p>
+            <a:endParaRPr lang="en-US"/>
+          </a:p>
+        </p:txBody>
+      </p:sp>
+      <p:sp>
+        <p:nvSpPr>
+          <p:cNvPr id="4" name="Slide Number Placeholder 3">
+            <a:extLst>
+              <a:ext uri="{FF2B5EF4-FFF2-40B4-BE49-F238E27FC236}">
+                <a16:creationId xmlns:a16="http://schemas.microsoft.com/office/drawing/2014/main" id="{F8BB39F6-637E-1BBE-2E6C-1A9B0CF5A067}"/>
+              </a:ext>
+            </a:extLst>
+          </p:cNvPr>
+          <p:cNvSpPr>
+            <a:spLocks noGrp="1"/>
+          </p:cNvSpPr>
+          <p:nvPr>
+            <p:ph type="sldNum" sz="quarter" idx="12"/>
+          </p:nvPr>
+        </p:nvSpPr>
+        <p:spPr/>
+        <p:txBody>
+          <a:bodyPr/>
+          <a:lstStyle/>
+          <a:p>
+            <a:fld id="{37290FF7-652B-4475-AEAB-8B1A5D23AE09}" type="slidenum">
+              <a:rPr lang="en-US" smtClean="0"/>
+              <a:t>13</a:t>
+            </a:fld>
+            <a:endParaRPr lang="en-US"/>
+          </a:p>
+        </p:txBody>
+      </p:sp>
+      <p:sp>
+        <p:nvSpPr>
+          <p:cNvPr id="5" name="Footer Placeholder 4">
+            <a:extLst>
+              <a:ext uri="{FF2B5EF4-FFF2-40B4-BE49-F238E27FC236}">
+                <a16:creationId xmlns:a16="http://schemas.microsoft.com/office/drawing/2014/main" id="{1C72E98F-2FB7-D7D5-422B-841286FB123B}"/>
+              </a:ext>
+            </a:extLst>
+          </p:cNvPr>
+          <p:cNvSpPr>
+            <a:spLocks noGrp="1"/>
+          </p:cNvSpPr>
+          <p:nvPr>
+            <p:ph type="ftr" sz="quarter" idx="3"/>
+          </p:nvPr>
+        </p:nvSpPr>
+        <p:spPr/>
+        <p:txBody>
+          <a:bodyPr/>
+          <a:lstStyle/>
+          <a:p>
+            <a:r>
+              <a:rPr lang="en-US"/>
+              <a:t>Kwartler CSCI 6</a:t>
+            </a:r>
+            <a:endParaRPr lang="en-US" dirty="0"/>
+          </a:p>
+        </p:txBody>
+      </p:sp>
+      <p:pic>
+        <p:nvPicPr>
+          <p:cNvPr id="6" name="Picture 5">
+            <a:extLst>
+              <a:ext uri="{FF2B5EF4-FFF2-40B4-BE49-F238E27FC236}">
+                <a16:creationId xmlns:a16="http://schemas.microsoft.com/office/drawing/2014/main" id="{EB8254F0-6093-5B9B-0404-24BC952BA7AC}"/>
+              </a:ext>
+            </a:extLst>
+          </p:cNvPr>
+          <p:cNvPicPr>
+            <a:picLocks noChangeAspect="1"/>
+          </p:cNvPicPr>
+          <p:nvPr/>
+        </p:nvPicPr>
+        <p:blipFill>
+          <a:blip r:embed="rId2"/>
+          <a:stretch>
+            <a:fillRect/>
+          </a:stretch>
+        </p:blipFill>
+        <p:spPr>
+          <a:xfrm>
+            <a:off x="2409636" y="1520964"/>
+            <a:ext cx="6105714" cy="3816071"/>
+          </a:xfrm>
+          <a:prstGeom prst="rect">
+            <a:avLst/>
+          </a:prstGeom>
+        </p:spPr>
+      </p:pic>
+      <p:cxnSp>
+        <p:nvCxnSpPr>
+          <p:cNvPr id="8" name="Straight Arrow Connector 7">
+            <a:extLst>
+              <a:ext uri="{FF2B5EF4-FFF2-40B4-BE49-F238E27FC236}">
+                <a16:creationId xmlns:a16="http://schemas.microsoft.com/office/drawing/2014/main" id="{7AB8B0DD-62B1-9D23-BB17-833693862E69}"/>
+              </a:ext>
+            </a:extLst>
+          </p:cNvPr>
+          <p:cNvCxnSpPr>
+            <a:cxnSpLocks/>
+          </p:cNvCxnSpPr>
+          <p:nvPr/>
+        </p:nvCxnSpPr>
+        <p:spPr>
+          <a:xfrm flipV="1">
+            <a:off x="3925824" y="5279765"/>
+            <a:ext cx="829248" cy="377952"/>
+          </a:xfrm>
+          <a:prstGeom prst="straightConnector1">
+            <a:avLst/>
+          </a:prstGeom>
+          <a:ln>
+            <a:tailEnd type="triangle"/>
+          </a:ln>
+        </p:spPr>
+        <p:style>
+          <a:lnRef idx="1">
+            <a:schemeClr val="accent1"/>
+          </a:lnRef>
+          <a:fillRef idx="0">
+            <a:schemeClr val="accent1"/>
+          </a:fillRef>
+          <a:effectRef idx="0">
+            <a:schemeClr val="accent1"/>
+          </a:effectRef>
+          <a:fontRef idx="minor">
+            <a:schemeClr val="tx1"/>
+          </a:fontRef>
+        </p:style>
+      </p:cxnSp>
+      <p:sp>
+        <p:nvSpPr>
+          <p:cNvPr id="10" name="TextBox 9">
+            <a:extLst>
+              <a:ext uri="{FF2B5EF4-FFF2-40B4-BE49-F238E27FC236}">
+                <a16:creationId xmlns:a16="http://schemas.microsoft.com/office/drawing/2014/main" id="{D860E80C-EB1B-F26C-8DA9-55E07E402E86}"/>
+              </a:ext>
+            </a:extLst>
+          </p:cNvPr>
+          <p:cNvSpPr txBox="1"/>
+          <p:nvPr/>
+        </p:nvSpPr>
+        <p:spPr>
+          <a:xfrm>
+            <a:off x="134112" y="5683868"/>
+            <a:ext cx="8705088" cy="646331"/>
+          </a:xfrm>
+          <a:prstGeom prst="rect">
+            <a:avLst/>
+          </a:prstGeom>
+          <a:noFill/>
+        </p:spPr>
+        <p:txBody>
+          <a:bodyPr wrap="square" rtlCol="0">
+            <a:spAutoFit/>
+          </a:bodyPr>
+          <a:lstStyle/>
+          <a:p>
+            <a:r>
+              <a:rPr lang="en-US" dirty="0"/>
+              <a:t>After enabling the chrome extension, the highlighted area of the page has a “selector” shown which can be used in code to *sometimes* get the element scraped.</a:t>
+            </a:r>
+          </a:p>
+        </p:txBody>
+      </p:sp>
+    </p:spTree>
+    <p:extLst>
+      <p:ext uri="{BB962C8B-B14F-4D97-AF65-F5344CB8AC3E}">
+        <p14:creationId xmlns:p14="http://schemas.microsoft.com/office/powerpoint/2010/main" val="3058962995"/>
+      </p:ext>
+    </p:extLst>
+  </p:cSld>
+  <p:clrMapOvr>
+    <a:masterClrMapping/>
+  </p:clrMapOvr>
+</p:sld>
+</file>
+
+<file path=ppt/slides/slide14.xml><?xml version="1.0" encoding="utf-8"?>
+<p:sld xmlns:a="http://schemas.openxmlformats.org/drawingml/2006/main" xmlns:r="http://schemas.openxmlformats.org/officeDocument/2006/relationships" xmlns:p="http://schemas.openxmlformats.org/presentationml/2006/main">
+  <p:cSld>
+    <p:spTree>
+      <p:nvGrpSpPr>
+        <p:cNvPr id="1" name=""/>
+        <p:cNvGrpSpPr/>
+        <p:nvPr/>
+      </p:nvGrpSpPr>
+      <p:grpSpPr>
+        <a:xfrm>
+          <a:off x="0" y="0"/>
+          <a:ext cx="0" cy="0"/>
+          <a:chOff x="0" y="0"/>
+          <a:chExt cx="0" cy="0"/>
+        </a:xfrm>
+      </p:grpSpPr>
+      <p:sp>
+        <p:nvSpPr>
+          <p:cNvPr id="2" name="Date Placeholder 1">
+            <a:extLst>
+              <a:ext uri="{FF2B5EF4-FFF2-40B4-BE49-F238E27FC236}">
+                <a16:creationId xmlns:a16="http://schemas.microsoft.com/office/drawing/2014/main" id="{4862A8DA-2DD2-3954-8AE8-AE1305AA24D0}"/>
+              </a:ext>
+            </a:extLst>
+          </p:cNvPr>
+          <p:cNvSpPr>
+            <a:spLocks noGrp="1"/>
+          </p:cNvSpPr>
+          <p:nvPr>
+            <p:ph type="dt" sz="half" idx="10"/>
+          </p:nvPr>
+        </p:nvSpPr>
+        <p:spPr/>
+        <p:txBody>
+          <a:bodyPr/>
+          <a:lstStyle/>
+          <a:p>
+            <a:fld id="{6700A58B-DD98-43D0-B791-721480A02982}" type="datetime1">
+              <a:rPr lang="en-US" smtClean="0"/>
+              <a:t>3/21/23</a:t>
+            </a:fld>
+            <a:endParaRPr lang="en-US"/>
+          </a:p>
+        </p:txBody>
+      </p:sp>
+      <p:sp>
+        <p:nvSpPr>
+          <p:cNvPr id="3" name="Title 2">
+            <a:extLst>
+              <a:ext uri="{FF2B5EF4-FFF2-40B4-BE49-F238E27FC236}">
+                <a16:creationId xmlns:a16="http://schemas.microsoft.com/office/drawing/2014/main" id="{46059A04-9E1C-DF57-F813-864829E03C1D}"/>
+              </a:ext>
+            </a:extLst>
+          </p:cNvPr>
+          <p:cNvSpPr>
+            <a:spLocks noGrp="1"/>
+          </p:cNvSpPr>
+          <p:nvPr>
+            <p:ph type="title"/>
+          </p:nvPr>
+        </p:nvSpPr>
+        <p:spPr/>
+        <p:txBody>
+          <a:bodyPr/>
+          <a:lstStyle/>
+          <a:p>
+            <a:endParaRPr lang="en-US"/>
+          </a:p>
+        </p:txBody>
+      </p:sp>
+      <p:sp>
+        <p:nvSpPr>
+          <p:cNvPr id="4" name="Slide Number Placeholder 3">
+            <a:extLst>
+              <a:ext uri="{FF2B5EF4-FFF2-40B4-BE49-F238E27FC236}">
+                <a16:creationId xmlns:a16="http://schemas.microsoft.com/office/drawing/2014/main" id="{EFCF843B-E433-7637-8850-97A7DA6F31B3}"/>
+              </a:ext>
+            </a:extLst>
+          </p:cNvPr>
+          <p:cNvSpPr>
+            <a:spLocks noGrp="1"/>
+          </p:cNvSpPr>
+          <p:nvPr>
+            <p:ph type="sldNum" sz="quarter" idx="12"/>
+          </p:nvPr>
+        </p:nvSpPr>
+        <p:spPr/>
+        <p:txBody>
+          <a:bodyPr/>
+          <a:lstStyle/>
+          <a:p>
+            <a:fld id="{37290FF7-652B-4475-AEAB-8B1A5D23AE09}" type="slidenum">
+              <a:rPr lang="en-US" smtClean="0"/>
+              <a:t>14</a:t>
+            </a:fld>
+            <a:endParaRPr lang="en-US"/>
+          </a:p>
+        </p:txBody>
+      </p:sp>
+      <p:sp>
+        <p:nvSpPr>
+          <p:cNvPr id="5" name="Footer Placeholder 4">
+            <a:extLst>
+              <a:ext uri="{FF2B5EF4-FFF2-40B4-BE49-F238E27FC236}">
+                <a16:creationId xmlns:a16="http://schemas.microsoft.com/office/drawing/2014/main" id="{738BA53A-26FC-4E38-9B07-0167ACBC11D0}"/>
+              </a:ext>
+            </a:extLst>
+          </p:cNvPr>
+          <p:cNvSpPr>
+            <a:spLocks noGrp="1"/>
+          </p:cNvSpPr>
+          <p:nvPr>
+            <p:ph type="ftr" sz="quarter" idx="3"/>
+          </p:nvPr>
+        </p:nvSpPr>
+        <p:spPr/>
+        <p:txBody>
+          <a:bodyPr/>
+          <a:lstStyle/>
+          <a:p>
+            <a:r>
+              <a:rPr lang="en-US"/>
+              <a:t>Kwartler CSCI 6</a:t>
+            </a:r>
+            <a:endParaRPr lang="en-US" dirty="0"/>
+          </a:p>
+        </p:txBody>
+      </p:sp>
+      <p:pic>
+        <p:nvPicPr>
+          <p:cNvPr id="6" name="Picture 5">
+            <a:extLst>
+              <a:ext uri="{FF2B5EF4-FFF2-40B4-BE49-F238E27FC236}">
+                <a16:creationId xmlns:a16="http://schemas.microsoft.com/office/drawing/2014/main" id="{176460E4-176E-81E5-3293-0C960E21EB86}"/>
+              </a:ext>
+            </a:extLst>
+          </p:cNvPr>
+          <p:cNvPicPr>
+            <a:picLocks noChangeAspect="1"/>
+          </p:cNvPicPr>
+          <p:nvPr/>
+        </p:nvPicPr>
+        <p:blipFill>
+          <a:blip r:embed="rId2"/>
+          <a:stretch>
+            <a:fillRect/>
+          </a:stretch>
+        </p:blipFill>
+        <p:spPr>
+          <a:xfrm>
+            <a:off x="1740535" y="2993390"/>
+            <a:ext cx="5662930" cy="871220"/>
+          </a:xfrm>
+          <a:prstGeom prst="rect">
+            <a:avLst/>
+          </a:prstGeom>
+        </p:spPr>
+      </p:pic>
+      <p:sp>
+        <p:nvSpPr>
+          <p:cNvPr id="7" name="TextBox 6">
+            <a:extLst>
+              <a:ext uri="{FF2B5EF4-FFF2-40B4-BE49-F238E27FC236}">
+                <a16:creationId xmlns:a16="http://schemas.microsoft.com/office/drawing/2014/main" id="{E13ADB91-176F-A167-074F-0A934BA2478D}"/>
+              </a:ext>
+            </a:extLst>
+          </p:cNvPr>
+          <p:cNvSpPr txBox="1"/>
+          <p:nvPr/>
+        </p:nvSpPr>
+        <p:spPr>
+          <a:xfrm>
+            <a:off x="219836" y="4289520"/>
+            <a:ext cx="8619363" cy="646331"/>
+          </a:xfrm>
+          <a:prstGeom prst="rect">
+            <a:avLst/>
+          </a:prstGeom>
+          <a:noFill/>
+        </p:spPr>
+        <p:txBody>
+          <a:bodyPr wrap="square" rtlCol="0">
+            <a:spAutoFit/>
+          </a:bodyPr>
+          <a:lstStyle/>
+          <a:p>
+            <a:r>
+              <a:rPr lang="en-US" dirty="0"/>
+              <a:t>Here, the </a:t>
+            </a:r>
+            <a:r>
+              <a:rPr lang="en-US" dirty="0" err="1"/>
+              <a:t>pg</a:t>
+            </a:r>
+            <a:r>
+              <a:rPr lang="en-US" dirty="0"/>
+              <a:t> object nodes with CSS tag “.size-large” is obtained.  Instead of text, the “</a:t>
+            </a:r>
+            <a:r>
+              <a:rPr lang="en-US" dirty="0" err="1"/>
+              <a:t>src</a:t>
+            </a:r>
+            <a:r>
+              <a:rPr lang="en-US" dirty="0"/>
+              <a:t>” attribute is retained which is a URL link.</a:t>
+            </a:r>
+          </a:p>
+        </p:txBody>
+      </p:sp>
+    </p:spTree>
+    <p:extLst>
+      <p:ext uri="{BB962C8B-B14F-4D97-AF65-F5344CB8AC3E}">
+        <p14:creationId xmlns:p14="http://schemas.microsoft.com/office/powerpoint/2010/main" val="2203677668"/>
+      </p:ext>
+    </p:extLst>
+  </p:cSld>
+  <p:clrMapOvr>
+    <a:masterClrMapping/>
+  </p:clrMapOvr>
+</p:sld>
+</file>
+
+<file path=ppt/slides/slide15.xml><?xml version="1.0" encoding="utf-8"?>
+<p:sld xmlns:a="http://schemas.openxmlformats.org/drawingml/2006/main" xmlns:r="http://schemas.openxmlformats.org/officeDocument/2006/relationships" xmlns:p="http://schemas.openxmlformats.org/presentationml/2006/main">
+  <p:cSld>
+    <p:spTree>
+      <p:nvGrpSpPr>
+        <p:cNvPr id="1" name=""/>
+        <p:cNvGrpSpPr/>
+        <p:nvPr/>
+      </p:nvGrpSpPr>
+      <p:grpSpPr>
+        <a:xfrm>
+          <a:off x="0" y="0"/>
+          <a:ext cx="0" cy="0"/>
+          <a:chOff x="0" y="0"/>
+          <a:chExt cx="0" cy="0"/>
+        </a:xfrm>
+      </p:grpSpPr>
+      <p:sp>
+        <p:nvSpPr>
+          <p:cNvPr id="3" name="Title 2">
+            <a:extLst>
+              <a:ext uri="{FF2B5EF4-FFF2-40B4-BE49-F238E27FC236}">
+                <a16:creationId xmlns:a16="http://schemas.microsoft.com/office/drawing/2014/main" id="{AAB7F0F2-2B85-437D-8807-0D248E0FCEEC}"/>
+              </a:ext>
+            </a:extLst>
+          </p:cNvPr>
+          <p:cNvSpPr>
+            <a:spLocks noGrp="1"/>
+          </p:cNvSpPr>
+          <p:nvPr>
+            <p:ph type="title"/>
+          </p:nvPr>
+        </p:nvSpPr>
+        <p:spPr/>
+        <p:txBody>
+          <a:bodyPr/>
+          <a:lstStyle/>
+          <a:p>
+            <a:r>
+              <a:rPr lang="en-US"/>
+              <a:t>Let’s get the dirt on our profs.</a:t>
+            </a:r>
+            <a:endParaRPr lang="en-US" dirty="0"/>
+          </a:p>
+        </p:txBody>
+      </p:sp>
+      <p:sp>
+        <p:nvSpPr>
+          <p:cNvPr id="6" name="TextBox 5">
+            <a:extLst>
+              <a:ext uri="{FF2B5EF4-FFF2-40B4-BE49-F238E27FC236}">
+                <a16:creationId xmlns:a16="http://schemas.microsoft.com/office/drawing/2014/main" id="{C5583B63-C959-4CB0-A267-BC5B177361C5}"/>
+              </a:ext>
+            </a:extLst>
+          </p:cNvPr>
+          <p:cNvSpPr txBox="1"/>
+          <p:nvPr/>
+        </p:nvSpPr>
+        <p:spPr>
+          <a:xfrm>
+            <a:off x="668740" y="1037224"/>
+            <a:ext cx="4811638" cy="523220"/>
+          </a:xfrm>
+          <a:prstGeom prst="rect">
+            <a:avLst/>
+          </a:prstGeom>
+          <a:noFill/>
+        </p:spPr>
+        <p:txBody>
+          <a:bodyPr wrap="none" rtlCol="0">
+            <a:spAutoFit/>
+          </a:bodyPr>
+          <a:lstStyle/>
+          <a:p>
+            <a:r>
+              <a:rPr lang="en-US" sz="2800" dirty="0" err="1"/>
+              <a:t>D_webScraping_multipleURLS.R</a:t>
+            </a:r>
+            <a:endParaRPr lang="en-US" sz="2800" dirty="0"/>
+          </a:p>
+        </p:txBody>
+      </p:sp>
+      <p:sp>
+        <p:nvSpPr>
+          <p:cNvPr id="7" name="TextBox 6">
+            <a:extLst>
+              <a:ext uri="{FF2B5EF4-FFF2-40B4-BE49-F238E27FC236}">
+                <a16:creationId xmlns:a16="http://schemas.microsoft.com/office/drawing/2014/main" id="{536D69F4-928C-4A23-914E-1102C92E0022}"/>
+              </a:ext>
+            </a:extLst>
+          </p:cNvPr>
+          <p:cNvSpPr txBox="1"/>
+          <p:nvPr/>
+        </p:nvSpPr>
+        <p:spPr>
+          <a:xfrm>
+            <a:off x="281222" y="2363815"/>
+            <a:ext cx="3086100" cy="3139321"/>
+          </a:xfrm>
+          <a:prstGeom prst="rect">
+            <a:avLst/>
+          </a:prstGeom>
+          <a:noFill/>
+        </p:spPr>
+        <p:txBody>
+          <a:bodyPr wrap="square" rtlCol="0">
+            <a:spAutoFit/>
+          </a:bodyPr>
+          <a:lstStyle/>
+          <a:p>
+            <a:pPr marL="342900" indent="-342900">
+              <a:buAutoNum type="arabicPeriod"/>
+            </a:pPr>
+            <a:r>
+              <a:rPr lang="en-US" dirty="0"/>
+              <a:t>Open a “headless” browser to the instructor page.  Find all appropriate URLS which is represented by each picture. </a:t>
+            </a:r>
+          </a:p>
+          <a:p>
+            <a:pPr marL="342900" indent="-342900">
+              <a:buAutoNum type="arabicPeriod"/>
+            </a:pPr>
+            <a:r>
+              <a:rPr lang="en-US" dirty="0"/>
+              <a:t>Loop through all </a:t>
+            </a:r>
+            <a:r>
+              <a:rPr lang="en-US" dirty="0" err="1"/>
+              <a:t>ID’ed</a:t>
+            </a:r>
+            <a:r>
+              <a:rPr lang="en-US" dirty="0"/>
+              <a:t> URLs to get the bio of each professor.</a:t>
+            </a:r>
+          </a:p>
+          <a:p>
+            <a:pPr marL="342900" indent="-342900">
+              <a:buAutoNum type="arabicPeriod"/>
+            </a:pPr>
+            <a:r>
+              <a:rPr lang="en-US" dirty="0"/>
+              <a:t>Extract the bio text from each page and organize</a:t>
+            </a:r>
+          </a:p>
+          <a:p>
+            <a:pPr marL="342900" indent="-342900">
+              <a:buAutoNum type="arabicPeriod"/>
+            </a:pPr>
+            <a:endParaRPr lang="en-US" dirty="0"/>
+          </a:p>
+        </p:txBody>
+      </p:sp>
+      <p:sp>
+        <p:nvSpPr>
+          <p:cNvPr id="10" name="Date Placeholder 1">
+            <a:extLst>
+              <a:ext uri="{FF2B5EF4-FFF2-40B4-BE49-F238E27FC236}">
+                <a16:creationId xmlns:a16="http://schemas.microsoft.com/office/drawing/2014/main" id="{497E7A8D-1BD8-1F44-8B93-397881726DF6}"/>
+              </a:ext>
+            </a:extLst>
+          </p:cNvPr>
+          <p:cNvSpPr>
+            <a:spLocks noGrp="1"/>
+          </p:cNvSpPr>
+          <p:nvPr>
+            <p:ph type="dt" sz="half" idx="10"/>
+          </p:nvPr>
+        </p:nvSpPr>
+        <p:spPr>
+          <a:xfrm>
+            <a:off x="628650" y="6356351"/>
+            <a:ext cx="2057400" cy="365125"/>
+          </a:xfrm>
+        </p:spPr>
+        <p:txBody>
+          <a:bodyPr/>
+          <a:lstStyle/>
+          <a:p>
+            <a:fld id="{6700A58B-DD98-43D0-B791-721480A02982}" type="datetime1">
+              <a:rPr lang="en-US" smtClean="0"/>
+              <a:t>3/21/23</a:t>
+            </a:fld>
+            <a:endParaRPr lang="en-US"/>
+          </a:p>
+        </p:txBody>
+      </p:sp>
+      <p:sp>
+        <p:nvSpPr>
+          <p:cNvPr id="8" name="Footer Placeholder 4">
+            <a:extLst>
+              <a:ext uri="{FF2B5EF4-FFF2-40B4-BE49-F238E27FC236}">
+                <a16:creationId xmlns:a16="http://schemas.microsoft.com/office/drawing/2014/main" id="{9C23E27A-2C11-B947-B2CE-E28A6BA522AE}"/>
+              </a:ext>
+            </a:extLst>
+          </p:cNvPr>
+          <p:cNvSpPr>
+            <a:spLocks noGrp="1"/>
+          </p:cNvSpPr>
+          <p:nvPr>
+            <p:ph type="ftr" sz="quarter" idx="3"/>
+          </p:nvPr>
+        </p:nvSpPr>
+        <p:spPr>
+          <a:xfrm>
+            <a:off x="3028950" y="6356351"/>
+            <a:ext cx="3086100" cy="365125"/>
+          </a:xfrm>
+        </p:spPr>
+        <p:txBody>
+          <a:bodyPr/>
+          <a:lstStyle/>
+          <a:p>
+            <a:r>
+              <a:rPr lang="en-US" dirty="0"/>
+              <a:t>Kwartler</a:t>
+            </a:r>
+          </a:p>
+        </p:txBody>
+      </p:sp>
+      <p:pic>
+        <p:nvPicPr>
+          <p:cNvPr id="2" name="Picture 1">
+            <a:extLst>
+              <a:ext uri="{FF2B5EF4-FFF2-40B4-BE49-F238E27FC236}">
+                <a16:creationId xmlns:a16="http://schemas.microsoft.com/office/drawing/2014/main" id="{0B3CE564-37B8-1575-C6A8-963B24000923}"/>
+              </a:ext>
+            </a:extLst>
+          </p:cNvPr>
+          <p:cNvPicPr>
+            <a:picLocks noChangeAspect="1"/>
+          </p:cNvPicPr>
+          <p:nvPr/>
+        </p:nvPicPr>
+        <p:blipFill>
+          <a:blip r:embed="rId2"/>
+          <a:stretch>
+            <a:fillRect/>
+          </a:stretch>
+        </p:blipFill>
+        <p:spPr>
+          <a:xfrm>
+            <a:off x="4321175" y="2136378"/>
+            <a:ext cx="3587750" cy="1155700"/>
+          </a:xfrm>
+          <a:prstGeom prst="rect">
+            <a:avLst/>
+          </a:prstGeom>
+        </p:spPr>
+      </p:pic>
+      <p:pic>
+        <p:nvPicPr>
+          <p:cNvPr id="4" name="Picture 3">
+            <a:extLst>
+              <a:ext uri="{FF2B5EF4-FFF2-40B4-BE49-F238E27FC236}">
+                <a16:creationId xmlns:a16="http://schemas.microsoft.com/office/drawing/2014/main" id="{BB1EE972-D752-0E00-4964-F9D8F34A2E14}"/>
+              </a:ext>
+            </a:extLst>
+          </p:cNvPr>
+          <p:cNvPicPr>
+            <a:picLocks noChangeAspect="1"/>
+          </p:cNvPicPr>
+          <p:nvPr/>
+        </p:nvPicPr>
+        <p:blipFill>
+          <a:blip r:embed="rId3"/>
+          <a:stretch>
+            <a:fillRect/>
+          </a:stretch>
+        </p:blipFill>
+        <p:spPr>
+          <a:xfrm>
+            <a:off x="4321175" y="4145293"/>
+            <a:ext cx="4194175" cy="781973"/>
+          </a:xfrm>
+          <a:prstGeom prst="rect">
+            <a:avLst/>
+          </a:prstGeom>
+        </p:spPr>
+      </p:pic>
+      <p:sp>
+        <p:nvSpPr>
+          <p:cNvPr id="5" name="TextBox 4">
+            <a:extLst>
+              <a:ext uri="{FF2B5EF4-FFF2-40B4-BE49-F238E27FC236}">
+                <a16:creationId xmlns:a16="http://schemas.microsoft.com/office/drawing/2014/main" id="{73A71A43-CB16-8953-56AA-FBA68718F0BA}"/>
+              </a:ext>
+            </a:extLst>
+          </p:cNvPr>
+          <p:cNvSpPr txBox="1"/>
+          <p:nvPr/>
+        </p:nvSpPr>
+        <p:spPr>
+          <a:xfrm>
+            <a:off x="4321175" y="1879695"/>
+            <a:ext cx="3200813" cy="369332"/>
+          </a:xfrm>
+          <a:prstGeom prst="rect">
+            <a:avLst/>
+          </a:prstGeom>
+          <a:noFill/>
+        </p:spPr>
+        <p:txBody>
+          <a:bodyPr wrap="none" rtlCol="0">
+            <a:spAutoFit/>
+          </a:bodyPr>
+          <a:lstStyle/>
+          <a:p>
+            <a:r>
+              <a:rPr lang="en-US" dirty="0"/>
+              <a:t>Page1 Get the “Read more” Link</a:t>
+            </a:r>
+          </a:p>
+        </p:txBody>
+      </p:sp>
+      <p:sp>
+        <p:nvSpPr>
+          <p:cNvPr id="11" name="TextBox 10">
+            <a:extLst>
+              <a:ext uri="{FF2B5EF4-FFF2-40B4-BE49-F238E27FC236}">
+                <a16:creationId xmlns:a16="http://schemas.microsoft.com/office/drawing/2014/main" id="{BF24283C-9D75-2586-B9E9-1E033B09F96A}"/>
+              </a:ext>
+            </a:extLst>
+          </p:cNvPr>
+          <p:cNvSpPr txBox="1"/>
+          <p:nvPr/>
+        </p:nvSpPr>
+        <p:spPr>
+          <a:xfrm>
+            <a:off x="4321174" y="3821954"/>
+            <a:ext cx="3576813" cy="369332"/>
+          </a:xfrm>
+          <a:prstGeom prst="rect">
+            <a:avLst/>
+          </a:prstGeom>
+          <a:noFill/>
+        </p:spPr>
+        <p:txBody>
+          <a:bodyPr wrap="none" rtlCol="0">
+            <a:spAutoFit/>
+          </a:bodyPr>
+          <a:lstStyle/>
+          <a:p>
+            <a:r>
+              <a:rPr lang="en-US" dirty="0"/>
+              <a:t>Navigate to Page 2 &amp; scrape the text</a:t>
+            </a:r>
+          </a:p>
+        </p:txBody>
+      </p:sp>
+    </p:spTree>
+    <p:extLst>
+      <p:ext uri="{BB962C8B-B14F-4D97-AF65-F5344CB8AC3E}">
+        <p14:creationId xmlns:p14="http://schemas.microsoft.com/office/powerpoint/2010/main" val="4067649255"/>
       </p:ext>
     </p:extLst>
   </p:cSld>
@@ -3877,7 +5377,7 @@
           <a:p>
             <a:fld id="{6700A58B-DD98-43D0-B791-721480A02982}" type="datetime1">
               <a:rPr lang="en-US" smtClean="0"/>
-              <a:t>3/20/23</a:t>
+              <a:t>3/21/23</a:t>
             </a:fld>
             <a:endParaRPr lang="en-US"/>
           </a:p>
@@ -4055,7 +5555,7 @@
           <a:p>
             <a:fld id="{6700A58B-DD98-43D0-B791-721480A02982}" type="datetime1">
               <a:rPr lang="en-US" smtClean="0"/>
-              <a:t>3/20/23</a:t>
+              <a:t>3/21/23</a:t>
             </a:fld>
             <a:endParaRPr lang="en-US"/>
           </a:p>
@@ -4358,7 +5858,7 @@
           <a:p>
             <a:fld id="{6700A58B-DD98-43D0-B791-721480A02982}" type="datetime1">
               <a:rPr lang="en-US" smtClean="0"/>
-              <a:t>3/20/23</a:t>
+              <a:t>3/21/23</a:t>
             </a:fld>
             <a:endParaRPr lang="en-US"/>
           </a:p>
@@ -4429,7 +5929,46 @@
       </p:grpSpPr>
       <p:sp>
         <p:nvSpPr>
-          <p:cNvPr id="2" name="Date Placeholder 1"/>
+          <p:cNvPr id="3" name="Title 2">
+            <a:extLst>
+              <a:ext uri="{FF2B5EF4-FFF2-40B4-BE49-F238E27FC236}">
+                <a16:creationId xmlns:a16="http://schemas.microsoft.com/office/drawing/2014/main" id="{AAB7F0F2-2B85-437D-8807-0D248E0FCEEC}"/>
+              </a:ext>
+            </a:extLst>
+          </p:cNvPr>
+          <p:cNvSpPr>
+            <a:spLocks noGrp="1"/>
+          </p:cNvSpPr>
+          <p:nvPr>
+            <p:ph type="title"/>
+          </p:nvPr>
+        </p:nvSpPr>
+        <p:spPr>
+          <a:xfrm>
+            <a:off x="188843" y="365126"/>
+            <a:ext cx="8641517" cy="591477"/>
+          </a:xfrm>
+        </p:spPr>
+        <p:txBody>
+          <a:bodyPr/>
+          <a:lstStyle/>
+          <a:p>
+            <a:r>
+              <a:rPr lang="en-US" dirty="0"/>
+              <a:t>Let’s get the dirt on University of St Gallen profs.</a:t>
+            </a:r>
+          </a:p>
+        </p:txBody>
+      </p:sp>
+      <p:sp>
+        <p:nvSpPr>
+          <p:cNvPr id="15" name="Date Placeholder 1">
+            <a:extLst>
+              <a:ext uri="{FF2B5EF4-FFF2-40B4-BE49-F238E27FC236}">
+                <a16:creationId xmlns:a16="http://schemas.microsoft.com/office/drawing/2014/main" id="{3579E639-EE89-1B43-97FC-E3D64D7D52B3}"/>
+              </a:ext>
+            </a:extLst>
+          </p:cNvPr>
           <p:cNvSpPr>
             <a:spLocks noGrp="1"/>
           </p:cNvSpPr>
@@ -4437,14 +5976,19 @@
             <p:ph type="dt" sz="half" idx="10"/>
           </p:nvPr>
         </p:nvSpPr>
-        <p:spPr/>
+        <p:spPr>
+          <a:xfrm>
+            <a:off x="628650" y="6356351"/>
+            <a:ext cx="2057400" cy="365125"/>
+          </a:xfrm>
+        </p:spPr>
         <p:txBody>
           <a:bodyPr/>
           <a:lstStyle/>
           <a:p>
             <a:fld id="{6700A58B-DD98-43D0-B791-721480A02982}" type="datetime1">
               <a:rPr lang="en-US" smtClean="0"/>
-              <a:t>3/20/23</a:t>
+              <a:t>3/21/23</a:t>
             </a:fld>
             <a:endParaRPr lang="en-US"/>
           </a:p>
@@ -4452,29 +5996,46 @@
       </p:sp>
       <p:sp>
         <p:nvSpPr>
-          <p:cNvPr id="3" name="Title 2"/>
-          <p:cNvSpPr>
-            <a:spLocks noGrp="1"/>
-          </p:cNvSpPr>
-          <p:nvPr>
-            <p:ph type="title"/>
-          </p:nvPr>
-        </p:nvSpPr>
-        <p:spPr/>
+          <p:cNvPr id="11" name="Footer Placeholder 4">
+            <a:extLst>
+              <a:ext uri="{FF2B5EF4-FFF2-40B4-BE49-F238E27FC236}">
+                <a16:creationId xmlns:a16="http://schemas.microsoft.com/office/drawing/2014/main" id="{382EF067-8795-F94F-B909-673E10C46C03}"/>
+              </a:ext>
+            </a:extLst>
+          </p:cNvPr>
+          <p:cNvSpPr>
+            <a:spLocks noGrp="1"/>
+          </p:cNvSpPr>
+          <p:nvPr>
+            <p:ph type="ftr" sz="quarter" idx="3"/>
+          </p:nvPr>
+        </p:nvSpPr>
+        <p:spPr>
+          <a:xfrm>
+            <a:off x="3028950" y="6356351"/>
+            <a:ext cx="3086100" cy="365125"/>
+          </a:xfrm>
+        </p:spPr>
         <p:txBody>
           <a:bodyPr/>
           <a:lstStyle/>
           <a:p>
             <a:r>
               <a:rPr lang="en-US" dirty="0"/>
-              <a:t>Web Scraping Example</a:t>
+              <a:t>Kwartler</a:t>
             </a:r>
           </a:p>
         </p:txBody>
       </p:sp>
       <p:pic>
         <p:nvPicPr>
-          <p:cNvPr id="6" name="Picture 5"/>
+          <p:cNvPr id="2" name="Picture 1">
+            <a:extLst>
+              <a:ext uri="{FF2B5EF4-FFF2-40B4-BE49-F238E27FC236}">
+                <a16:creationId xmlns:a16="http://schemas.microsoft.com/office/drawing/2014/main" id="{A045D6B1-730A-CA79-3FDC-439276B35886}"/>
+              </a:ext>
+            </a:extLst>
+          </p:cNvPr>
           <p:cNvPicPr>
             <a:picLocks noChangeAspect="1"/>
           </p:cNvPicPr>
@@ -4488,8 +6049,8 @@
         </p:blipFill>
         <p:spPr>
           <a:xfrm>
-            <a:off x="4986337" y="1171575"/>
-            <a:ext cx="3143249" cy="4714874"/>
+            <a:off x="1371600" y="1277357"/>
+            <a:ext cx="7772400" cy="4638122"/>
           </a:xfrm>
           <a:prstGeom prst="rect">
             <a:avLst/>
@@ -4498,14 +6059,20 @@
       </p:pic>
       <p:sp>
         <p:nvSpPr>
-          <p:cNvPr id="7" name="TextBox 6"/>
+          <p:cNvPr id="7" name="TextBox 6">
+            <a:extLst>
+              <a:ext uri="{FF2B5EF4-FFF2-40B4-BE49-F238E27FC236}">
+                <a16:creationId xmlns:a16="http://schemas.microsoft.com/office/drawing/2014/main" id="{536D69F4-928C-4A23-914E-1102C92E0022}"/>
+              </a:ext>
+            </a:extLst>
+          </p:cNvPr>
           <p:cNvSpPr txBox="1"/>
           <p:nvPr/>
         </p:nvSpPr>
         <p:spPr>
           <a:xfrm>
-            <a:off x="300038" y="2500313"/>
-            <a:ext cx="4613955" cy="1354217"/>
+            <a:off x="281222" y="2363815"/>
+            <a:ext cx="2690578" cy="830997"/>
           </a:xfrm>
           <a:prstGeom prst="rect">
             <a:avLst/>
@@ -4513,77 +6080,25 @@
           <a:noFill/>
         </p:spPr>
         <p:txBody>
-          <a:bodyPr wrap="none" rtlCol="0">
+          <a:bodyPr wrap="square" rtlCol="0">
             <a:spAutoFit/>
           </a:bodyPr>
           <a:lstStyle/>
           <a:p>
-            <a:r>
-              <a:rPr lang="en-US" sz="2800" b="1" dirty="0"/>
-              <a:t>IMDB.com </a:t>
-            </a:r>
-          </a:p>
-          <a:p>
-            <a:pPr marL="285750" indent="-285750">
-              <a:buFont typeface="Arial" panose="020B0604020202020204" pitchFamily="34" charset="0"/>
-              <a:buChar char="•"/>
+            <a:pPr marL="342900" indent="-342900">
+              <a:buAutoNum type="arabicPeriod"/>
             </a:pPr>
             <a:r>
-              <a:rPr lang="en-US" dirty="0"/>
-              <a:t>Internet Movie Database</a:t>
-            </a:r>
-          </a:p>
-          <a:p>
-            <a:pPr marL="285750" indent="-285750">
-              <a:buFont typeface="Arial" panose="020B0604020202020204" pitchFamily="34" charset="0"/>
-              <a:buChar char="•"/>
-            </a:pPr>
-            <a:r>
-              <a:rPr lang="en-US" dirty="0"/>
-              <a:t>Owned by Amazon.com</a:t>
-            </a:r>
-          </a:p>
-          <a:p>
-            <a:pPr marL="285750" indent="-285750">
-              <a:buFont typeface="Arial" panose="020B0604020202020204" pitchFamily="34" charset="0"/>
-              <a:buChar char="•"/>
-            </a:pPr>
-            <a:r>
-              <a:rPr lang="en-US" dirty="0"/>
-              <a:t>Realistically messy but doesn’t stop scraping</a:t>
-            </a:r>
-          </a:p>
-        </p:txBody>
-      </p:sp>
-      <p:sp>
-        <p:nvSpPr>
-          <p:cNvPr id="9" name="Footer Placeholder 4">
-            <a:extLst>
-              <a:ext uri="{FF2B5EF4-FFF2-40B4-BE49-F238E27FC236}">
-                <a16:creationId xmlns:a16="http://schemas.microsoft.com/office/drawing/2014/main" id="{2AF1D535-7DF4-E244-A8E5-F97D7D6256DD}"/>
-              </a:ext>
-            </a:extLst>
-          </p:cNvPr>
-          <p:cNvSpPr>
-            <a:spLocks noGrp="1"/>
-          </p:cNvSpPr>
-          <p:nvPr>
-            <p:ph type="ftr" sz="quarter" idx="3"/>
-          </p:nvPr>
-        </p:nvSpPr>
-        <p:spPr>
-          <a:xfrm>
-            <a:off x="3028950" y="6356351"/>
-            <a:ext cx="3086100" cy="365125"/>
-          </a:xfrm>
-        </p:spPr>
-        <p:txBody>
-          <a:bodyPr/>
-          <a:lstStyle/>
-          <a:p>
-            <a:r>
-              <a:rPr lang="en-US" dirty="0"/>
-              <a:t>Kwartler</a:t>
+              <a:rPr lang="en-US" sz="1200" dirty="0"/>
+              <a:t>Open a “headless” browser to the instructor page.  </a:t>
+            </a:r>
+            <a:r>
+              <a:rPr lang="en-US" sz="1200" dirty="0" err="1"/>
+              <a:t>Programatically</a:t>
+            </a:r>
+            <a:r>
+              <a:rPr lang="en-US" sz="1200" dirty="0"/>
+              <a:t> find all appropriate URLS which is represented by each picture. </a:t>
             </a:r>
           </a:p>
         </p:txBody>
@@ -4591,7 +6106,7 @@
     </p:spTree>
     <p:extLst>
       <p:ext uri="{BB962C8B-B14F-4D97-AF65-F5344CB8AC3E}">
-        <p14:creationId xmlns:p14="http://schemas.microsoft.com/office/powerpoint/2010/main" val="2850808211"/>
+        <p14:creationId xmlns:p14="http://schemas.microsoft.com/office/powerpoint/2010/main" val="302459380"/>
       </p:ext>
     </p:extLst>
   </p:cSld>
@@ -4618,120 +6133,12 @@
           <a:chExt cx="0" cy="0"/>
         </a:xfrm>
       </p:grpSpPr>
-      <p:sp>
-        <p:nvSpPr>
-          <p:cNvPr id="2" name="Date Placeholder 1"/>
-          <p:cNvSpPr>
-            <a:spLocks noGrp="1"/>
-          </p:cNvSpPr>
-          <p:nvPr>
-            <p:ph type="dt" sz="half" idx="10"/>
-          </p:nvPr>
-        </p:nvSpPr>
-        <p:spPr/>
-        <p:txBody>
-          <a:bodyPr/>
-          <a:lstStyle/>
-          <a:p>
-            <a:fld id="{6700A58B-DD98-43D0-B791-721480A02982}" type="datetime1">
-              <a:rPr lang="en-US" smtClean="0"/>
-              <a:t>3/20/23</a:t>
-            </a:fld>
-            <a:endParaRPr lang="en-US"/>
-          </a:p>
-        </p:txBody>
-      </p:sp>
-      <p:sp>
-        <p:nvSpPr>
-          <p:cNvPr id="3" name="Title 2"/>
-          <p:cNvSpPr>
-            <a:spLocks noGrp="1"/>
-          </p:cNvSpPr>
-          <p:nvPr>
-            <p:ph type="title"/>
-          </p:nvPr>
-        </p:nvSpPr>
-        <p:spPr/>
-        <p:txBody>
-          <a:bodyPr/>
-          <a:lstStyle/>
-          <a:p>
-            <a:r>
-              <a:rPr lang="en-US" dirty="0"/>
-              <a:t>Getting some data</a:t>
-            </a:r>
-          </a:p>
-        </p:txBody>
-      </p:sp>
-      <p:sp>
-        <p:nvSpPr>
-          <p:cNvPr id="6" name="TextBox 5"/>
-          <p:cNvSpPr txBox="1"/>
-          <p:nvPr/>
-        </p:nvSpPr>
-        <p:spPr>
-          <a:xfrm>
-            <a:off x="668740" y="1037224"/>
-            <a:ext cx="2727734" cy="523220"/>
-          </a:xfrm>
-          <a:prstGeom prst="rect">
-            <a:avLst/>
-          </a:prstGeom>
-          <a:noFill/>
-        </p:spPr>
-        <p:txBody>
-          <a:bodyPr wrap="none" rtlCol="0">
-            <a:spAutoFit/>
-          </a:bodyPr>
-          <a:lstStyle/>
-          <a:p>
-            <a:r>
-              <a:rPr lang="en-US" sz="2800" dirty="0" err="1"/>
-              <a:t>D_webScraping.R</a:t>
-            </a:r>
-            <a:endParaRPr lang="en-US" sz="2800" dirty="0"/>
-          </a:p>
-        </p:txBody>
-      </p:sp>
-      <p:sp>
-        <p:nvSpPr>
-          <p:cNvPr id="9" name="Footer Placeholder 4">
-            <a:extLst>
-              <a:ext uri="{FF2B5EF4-FFF2-40B4-BE49-F238E27FC236}">
-                <a16:creationId xmlns:a16="http://schemas.microsoft.com/office/drawing/2014/main" id="{07E6727E-FCA0-CA41-B03D-FF158BD695C9}"/>
-              </a:ext>
-            </a:extLst>
-          </p:cNvPr>
-          <p:cNvSpPr>
-            <a:spLocks noGrp="1"/>
-          </p:cNvSpPr>
-          <p:nvPr>
-            <p:ph type="ftr" sz="quarter" idx="3"/>
-          </p:nvPr>
-        </p:nvSpPr>
-        <p:spPr>
-          <a:xfrm>
-            <a:off x="3028950" y="6356351"/>
-            <a:ext cx="3086100" cy="365125"/>
-          </a:xfrm>
-        </p:spPr>
-        <p:txBody>
-          <a:bodyPr/>
-          <a:lstStyle/>
-          <a:p>
-            <a:r>
-              <a:rPr lang="en-US" dirty="0"/>
-              <a:t>Kwartler</a:t>
-            </a:r>
-          </a:p>
-        </p:txBody>
-      </p:sp>
       <p:pic>
         <p:nvPicPr>
-          <p:cNvPr id="4" name="Picture 3">
-            <a:extLst>
-              <a:ext uri="{FF2B5EF4-FFF2-40B4-BE49-F238E27FC236}">
-                <a16:creationId xmlns:a16="http://schemas.microsoft.com/office/drawing/2014/main" id="{1B03B2E9-0091-4856-6D34-8FB4FC96BA36}"/>
+          <p:cNvPr id="2" name="Picture 1">
+            <a:extLst>
+              <a:ext uri="{FF2B5EF4-FFF2-40B4-BE49-F238E27FC236}">
+                <a16:creationId xmlns:a16="http://schemas.microsoft.com/office/drawing/2014/main" id="{5B0EC077-29F5-609A-82A9-D466233BF790}"/>
               </a:ext>
             </a:extLst>
           </p:cNvPr>
@@ -4748,18 +6155,2063 @@
         </p:blipFill>
         <p:spPr>
           <a:xfrm>
-            <a:off x="685800" y="2131572"/>
-            <a:ext cx="7772400" cy="3689204"/>
+            <a:off x="1371600" y="1277357"/>
+            <a:ext cx="7772400" cy="4638122"/>
           </a:xfrm>
           <a:prstGeom prst="rect">
             <a:avLst/>
           </a:prstGeom>
         </p:spPr>
       </p:pic>
+      <p:sp>
+        <p:nvSpPr>
+          <p:cNvPr id="3" name="Title 2">
+            <a:extLst>
+              <a:ext uri="{FF2B5EF4-FFF2-40B4-BE49-F238E27FC236}">
+                <a16:creationId xmlns:a16="http://schemas.microsoft.com/office/drawing/2014/main" id="{AAB7F0F2-2B85-437D-8807-0D248E0FCEEC}"/>
+              </a:ext>
+            </a:extLst>
+          </p:cNvPr>
+          <p:cNvSpPr>
+            <a:spLocks noGrp="1"/>
+          </p:cNvSpPr>
+          <p:nvPr>
+            <p:ph type="title"/>
+          </p:nvPr>
+        </p:nvSpPr>
+        <p:spPr/>
+        <p:txBody>
+          <a:bodyPr/>
+          <a:lstStyle/>
+          <a:p>
+            <a:r>
+              <a:rPr lang="en-US" dirty="0"/>
+              <a:t>After </a:t>
+            </a:r>
+            <a:r>
+              <a:rPr lang="en-US" dirty="0" err="1"/>
+              <a:t>ID’ing</a:t>
+            </a:r>
+            <a:r>
+              <a:rPr lang="en-US" dirty="0"/>
+              <a:t> the links go to each bio</a:t>
+            </a:r>
+          </a:p>
+        </p:txBody>
+      </p:sp>
+      <p:sp>
+        <p:nvSpPr>
+          <p:cNvPr id="21" name="TextBox 20">
+            <a:extLst>
+              <a:ext uri="{FF2B5EF4-FFF2-40B4-BE49-F238E27FC236}">
+                <a16:creationId xmlns:a16="http://schemas.microsoft.com/office/drawing/2014/main" id="{6EACAAA7-A3DD-4436-81C8-0624C2C3A13D}"/>
+              </a:ext>
+            </a:extLst>
+          </p:cNvPr>
+          <p:cNvSpPr txBox="1"/>
+          <p:nvPr/>
+        </p:nvSpPr>
+        <p:spPr>
+          <a:xfrm>
+            <a:off x="6274088" y="2858338"/>
+            <a:ext cx="343364" cy="369332"/>
+          </a:xfrm>
+          <a:prstGeom prst="rect">
+            <a:avLst/>
+          </a:prstGeom>
+          <a:noFill/>
+        </p:spPr>
+        <p:txBody>
+          <a:bodyPr wrap="none" rtlCol="0">
+            <a:spAutoFit/>
+          </a:bodyPr>
+          <a:lstStyle/>
+          <a:p>
+            <a:r>
+              <a:rPr lang="en-US" dirty="0"/>
+              <a:t>…</a:t>
+            </a:r>
+          </a:p>
+        </p:txBody>
+      </p:sp>
+      <p:sp>
+        <p:nvSpPr>
+          <p:cNvPr id="22" name="TextBox 21">
+            <a:extLst>
+              <a:ext uri="{FF2B5EF4-FFF2-40B4-BE49-F238E27FC236}">
+                <a16:creationId xmlns:a16="http://schemas.microsoft.com/office/drawing/2014/main" id="{3D075E0C-7919-49F3-AFCB-1813D27FFF7F}"/>
+              </a:ext>
+            </a:extLst>
+          </p:cNvPr>
+          <p:cNvSpPr txBox="1"/>
+          <p:nvPr/>
+        </p:nvSpPr>
+        <p:spPr>
+          <a:xfrm>
+            <a:off x="6265888" y="4513817"/>
+            <a:ext cx="343364" cy="369332"/>
+          </a:xfrm>
+          <a:prstGeom prst="rect">
+            <a:avLst/>
+          </a:prstGeom>
+          <a:noFill/>
+        </p:spPr>
+        <p:txBody>
+          <a:bodyPr wrap="none" rtlCol="0">
+            <a:spAutoFit/>
+          </a:bodyPr>
+          <a:lstStyle/>
+          <a:p>
+            <a:r>
+              <a:rPr lang="en-US" dirty="0"/>
+              <a:t>…</a:t>
+            </a:r>
+          </a:p>
+        </p:txBody>
+      </p:sp>
+      <p:sp>
+        <p:nvSpPr>
+          <p:cNvPr id="30" name="Rectangle 29">
+            <a:extLst>
+              <a:ext uri="{FF2B5EF4-FFF2-40B4-BE49-F238E27FC236}">
+                <a16:creationId xmlns:a16="http://schemas.microsoft.com/office/drawing/2014/main" id="{7DF86369-BAFE-4398-B40F-DBF886F795F9}"/>
+              </a:ext>
+            </a:extLst>
+          </p:cNvPr>
+          <p:cNvSpPr/>
+          <p:nvPr/>
+        </p:nvSpPr>
+        <p:spPr>
+          <a:xfrm>
+            <a:off x="3028950" y="1653615"/>
+            <a:ext cx="2914649" cy="1151830"/>
+          </a:xfrm>
+          <a:prstGeom prst="rect">
+            <a:avLst/>
+          </a:prstGeom>
+          <a:noFill/>
+          <a:ln w="57150">
+            <a:solidFill>
+              <a:srgbClr val="C00000"/>
+            </a:solidFill>
+          </a:ln>
+        </p:spPr>
+        <p:style>
+          <a:lnRef idx="2">
+            <a:schemeClr val="accent1">
+              <a:shade val="50000"/>
+            </a:schemeClr>
+          </a:lnRef>
+          <a:fillRef idx="1">
+            <a:schemeClr val="accent1"/>
+          </a:fillRef>
+          <a:effectRef idx="0">
+            <a:schemeClr val="accent1"/>
+          </a:effectRef>
+          <a:fontRef idx="minor">
+            <a:schemeClr val="lt1"/>
+          </a:fontRef>
+        </p:style>
+        <p:txBody>
+          <a:bodyPr rtlCol="0" anchor="ctr"/>
+          <a:lstStyle/>
+          <a:p>
+            <a:pPr algn="ctr"/>
+            <a:endParaRPr lang="en-US"/>
+          </a:p>
+        </p:txBody>
+      </p:sp>
+      <p:pic>
+        <p:nvPicPr>
+          <p:cNvPr id="5122" name="Picture 2" descr="Image result for egghead">
+            <a:extLst>
+              <a:ext uri="{FF2B5EF4-FFF2-40B4-BE49-F238E27FC236}">
+                <a16:creationId xmlns:a16="http://schemas.microsoft.com/office/drawing/2014/main" id="{A381C910-390B-42D3-8BE0-694A68701676}"/>
+              </a:ext>
+            </a:extLst>
+          </p:cNvPr>
+          <p:cNvPicPr>
+            <a:picLocks noChangeAspect="1" noChangeArrowheads="1"/>
+          </p:cNvPicPr>
+          <p:nvPr/>
+        </p:nvPicPr>
+        <p:blipFill>
+          <a:blip r:embed="rId3" cstate="print">
+            <a:extLst>
+              <a:ext uri="{28A0092B-C50C-407E-A947-70E740481C1C}">
+                <a14:useLocalDpi xmlns:a14="http://schemas.microsoft.com/office/drawing/2010/main" val="0"/>
+              </a:ext>
+            </a:extLst>
+          </a:blip>
+          <a:srcRect/>
+          <a:stretch>
+            <a:fillRect/>
+          </a:stretch>
+        </p:blipFill>
+        <p:spPr bwMode="auto">
+          <a:xfrm>
+            <a:off x="3191738" y="2953685"/>
+            <a:ext cx="614437" cy="776648"/>
+          </a:xfrm>
+          <a:prstGeom prst="ellipse">
+            <a:avLst/>
+          </a:prstGeom>
+          <a:noFill/>
+          <a:extLst>
+            <a:ext uri="{909E8E84-426E-40DD-AFC4-6F175D3DCCD1}">
+              <a14:hiddenFill xmlns:a14="http://schemas.microsoft.com/office/drawing/2010/main">
+                <a:solidFill>
+                  <a:srgbClr val="FFFFFF"/>
+                </a:solidFill>
+              </a14:hiddenFill>
+            </a:ext>
+          </a:extLst>
+        </p:spPr>
+      </p:pic>
+      <p:sp>
+        <p:nvSpPr>
+          <p:cNvPr id="31" name="Date Placeholder 1">
+            <a:extLst>
+              <a:ext uri="{FF2B5EF4-FFF2-40B4-BE49-F238E27FC236}">
+                <a16:creationId xmlns:a16="http://schemas.microsoft.com/office/drawing/2014/main" id="{31FB884D-DAF2-0F4E-A3F4-20DBA4CD3C8B}"/>
+              </a:ext>
+            </a:extLst>
+          </p:cNvPr>
+          <p:cNvSpPr>
+            <a:spLocks noGrp="1"/>
+          </p:cNvSpPr>
+          <p:nvPr>
+            <p:ph type="dt" sz="half" idx="10"/>
+          </p:nvPr>
+        </p:nvSpPr>
+        <p:spPr>
+          <a:xfrm>
+            <a:off x="628650" y="6356351"/>
+            <a:ext cx="2057400" cy="365125"/>
+          </a:xfrm>
+        </p:spPr>
+        <p:txBody>
+          <a:bodyPr/>
+          <a:lstStyle/>
+          <a:p>
+            <a:fld id="{6700A58B-DD98-43D0-B791-721480A02982}" type="datetime1">
+              <a:rPr lang="en-US" smtClean="0"/>
+              <a:t>3/21/23</a:t>
+            </a:fld>
+            <a:endParaRPr lang="en-US"/>
+          </a:p>
+        </p:txBody>
+      </p:sp>
+      <p:sp>
+        <p:nvSpPr>
+          <p:cNvPr id="32" name="Footer Placeholder 4">
+            <a:extLst>
+              <a:ext uri="{FF2B5EF4-FFF2-40B4-BE49-F238E27FC236}">
+                <a16:creationId xmlns:a16="http://schemas.microsoft.com/office/drawing/2014/main" id="{37CCC94A-DA25-C544-B08D-6FF8C1778563}"/>
+              </a:ext>
+            </a:extLst>
+          </p:cNvPr>
+          <p:cNvSpPr>
+            <a:spLocks noGrp="1"/>
+          </p:cNvSpPr>
+          <p:nvPr>
+            <p:ph type="ftr" sz="quarter" idx="3"/>
+          </p:nvPr>
+        </p:nvSpPr>
+        <p:spPr>
+          <a:xfrm>
+            <a:off x="3028950" y="6356351"/>
+            <a:ext cx="3086100" cy="365125"/>
+          </a:xfrm>
+        </p:spPr>
+        <p:txBody>
+          <a:bodyPr/>
+          <a:lstStyle/>
+          <a:p>
+            <a:r>
+              <a:rPr lang="en-US" dirty="0"/>
+              <a:t>Kwartler</a:t>
+            </a:r>
+          </a:p>
+        </p:txBody>
+      </p:sp>
+      <p:sp>
+        <p:nvSpPr>
+          <p:cNvPr id="15" name="TextBox 14">
+            <a:extLst>
+              <a:ext uri="{FF2B5EF4-FFF2-40B4-BE49-F238E27FC236}">
+                <a16:creationId xmlns:a16="http://schemas.microsoft.com/office/drawing/2014/main" id="{84F171B0-F2D0-4C32-9624-429FA45145B4}"/>
+              </a:ext>
+            </a:extLst>
+          </p:cNvPr>
+          <p:cNvSpPr txBox="1"/>
+          <p:nvPr/>
+        </p:nvSpPr>
+        <p:spPr>
+          <a:xfrm>
+            <a:off x="281222" y="2363815"/>
+            <a:ext cx="2674249" cy="2492990"/>
+          </a:xfrm>
+          <a:prstGeom prst="rect">
+            <a:avLst/>
+          </a:prstGeom>
+          <a:noFill/>
+        </p:spPr>
+        <p:txBody>
+          <a:bodyPr wrap="square" rtlCol="0">
+            <a:spAutoFit/>
+          </a:bodyPr>
+          <a:lstStyle/>
+          <a:p>
+            <a:pPr marL="342900" indent="-342900">
+              <a:buAutoNum type="arabicPeriod"/>
+            </a:pPr>
+            <a:r>
+              <a:rPr lang="en-US" sz="1200" dirty="0"/>
+              <a:t>Open a “headless” browser to the instructor page.  Find all appropriate URLS which is represented by each picture. </a:t>
+            </a:r>
+          </a:p>
+          <a:p>
+            <a:pPr marL="342900" indent="-342900">
+              <a:buAutoNum type="arabicPeriod"/>
+            </a:pPr>
+            <a:r>
+              <a:rPr lang="en-US" sz="1200" dirty="0"/>
+              <a:t>ID all the URLs using HTML tags, identify the ones that are relevant</a:t>
+            </a:r>
+          </a:p>
+          <a:p>
+            <a:pPr marL="342900" indent="-342900">
+              <a:buAutoNum type="arabicPeriod"/>
+            </a:pPr>
+            <a:r>
+              <a:rPr lang="en-US" sz="1200" dirty="0"/>
+              <a:t>Loop through all </a:t>
+            </a:r>
+            <a:r>
+              <a:rPr lang="en-US" sz="1200" dirty="0" err="1"/>
+              <a:t>ID’ed</a:t>
+            </a:r>
+            <a:r>
+              <a:rPr lang="en-US" sz="1200" dirty="0"/>
+              <a:t> URLs opening another headless browser, one for each prof, then scrape the XPATH for the </a:t>
+            </a:r>
+          </a:p>
+          <a:p>
+            <a:pPr marL="800100" lvl="1" indent="-342900">
+              <a:buAutoNum type="arabicPeriod"/>
+            </a:pPr>
+            <a:r>
+              <a:rPr lang="en-US" sz="1200" dirty="0"/>
+              <a:t>Bio</a:t>
+            </a:r>
+          </a:p>
+          <a:p>
+            <a:pPr marL="800100" lvl="1" indent="-342900">
+              <a:buAutoNum type="arabicPeriod"/>
+            </a:pPr>
+            <a:r>
+              <a:rPr lang="en-US" sz="1200" dirty="0"/>
+              <a:t>Image </a:t>
+            </a:r>
+            <a:r>
+              <a:rPr lang="en-US" sz="1200" dirty="0" err="1"/>
+              <a:t>url</a:t>
+            </a:r>
+            <a:endParaRPr lang="en-US" sz="1200" dirty="0"/>
+          </a:p>
+          <a:p>
+            <a:pPr marL="342900" indent="-342900">
+              <a:buAutoNum type="arabicPeriod"/>
+            </a:pPr>
+            <a:endParaRPr lang="en-US" sz="1200" dirty="0"/>
+          </a:p>
+        </p:txBody>
+      </p:sp>
+      <p:sp>
+        <p:nvSpPr>
+          <p:cNvPr id="4" name="Rectangle 3">
+            <a:extLst>
+              <a:ext uri="{FF2B5EF4-FFF2-40B4-BE49-F238E27FC236}">
+                <a16:creationId xmlns:a16="http://schemas.microsoft.com/office/drawing/2014/main" id="{F6260767-15D2-ACFF-BC0B-18F8DB9CFF72}"/>
+              </a:ext>
+            </a:extLst>
+          </p:cNvPr>
+          <p:cNvSpPr/>
+          <p:nvPr/>
+        </p:nvSpPr>
+        <p:spPr>
+          <a:xfrm>
+            <a:off x="6014356" y="1653615"/>
+            <a:ext cx="2914649" cy="1151830"/>
+          </a:xfrm>
+          <a:prstGeom prst="rect">
+            <a:avLst/>
+          </a:prstGeom>
+          <a:noFill/>
+          <a:ln w="57150">
+            <a:solidFill>
+              <a:srgbClr val="C00000"/>
+            </a:solidFill>
+          </a:ln>
+        </p:spPr>
+        <p:style>
+          <a:lnRef idx="2">
+            <a:schemeClr val="accent1">
+              <a:shade val="50000"/>
+            </a:schemeClr>
+          </a:lnRef>
+          <a:fillRef idx="1">
+            <a:schemeClr val="accent1"/>
+          </a:fillRef>
+          <a:effectRef idx="0">
+            <a:schemeClr val="accent1"/>
+          </a:effectRef>
+          <a:fontRef idx="minor">
+            <a:schemeClr val="lt1"/>
+          </a:fontRef>
+        </p:style>
+        <p:txBody>
+          <a:bodyPr rtlCol="0" anchor="ctr"/>
+          <a:lstStyle/>
+          <a:p>
+            <a:pPr algn="ctr"/>
+            <a:endParaRPr lang="en-US"/>
+          </a:p>
+        </p:txBody>
+      </p:sp>
+      <p:sp>
+        <p:nvSpPr>
+          <p:cNvPr id="5" name="Rectangle 4">
+            <a:extLst>
+              <a:ext uri="{FF2B5EF4-FFF2-40B4-BE49-F238E27FC236}">
+                <a16:creationId xmlns:a16="http://schemas.microsoft.com/office/drawing/2014/main" id="{06F498C8-33DF-7932-A021-E236928CEB7C}"/>
+              </a:ext>
+            </a:extLst>
+          </p:cNvPr>
+          <p:cNvSpPr/>
+          <p:nvPr/>
+        </p:nvSpPr>
+        <p:spPr>
+          <a:xfrm>
+            <a:off x="3028950" y="2884793"/>
+            <a:ext cx="2914649" cy="952421"/>
+          </a:xfrm>
+          <a:prstGeom prst="rect">
+            <a:avLst/>
+          </a:prstGeom>
+          <a:noFill/>
+          <a:ln w="57150">
+            <a:solidFill>
+              <a:srgbClr val="C00000"/>
+            </a:solidFill>
+          </a:ln>
+        </p:spPr>
+        <p:style>
+          <a:lnRef idx="2">
+            <a:schemeClr val="accent1">
+              <a:shade val="50000"/>
+            </a:schemeClr>
+          </a:lnRef>
+          <a:fillRef idx="1">
+            <a:schemeClr val="accent1"/>
+          </a:fillRef>
+          <a:effectRef idx="0">
+            <a:schemeClr val="accent1"/>
+          </a:effectRef>
+          <a:fontRef idx="minor">
+            <a:schemeClr val="lt1"/>
+          </a:fontRef>
+        </p:style>
+        <p:txBody>
+          <a:bodyPr rtlCol="0" anchor="ctr"/>
+          <a:lstStyle/>
+          <a:p>
+            <a:pPr algn="ctr"/>
+            <a:endParaRPr lang="en-US"/>
+          </a:p>
+        </p:txBody>
+      </p:sp>
+      <p:sp>
+        <p:nvSpPr>
+          <p:cNvPr id="8" name="Rectangle 7">
+            <a:extLst>
+              <a:ext uri="{FF2B5EF4-FFF2-40B4-BE49-F238E27FC236}">
+                <a16:creationId xmlns:a16="http://schemas.microsoft.com/office/drawing/2014/main" id="{2E5FA9CB-70CD-3FB3-48E1-EF39C30BE296}"/>
+              </a:ext>
+            </a:extLst>
+          </p:cNvPr>
+          <p:cNvSpPr/>
+          <p:nvPr/>
+        </p:nvSpPr>
+        <p:spPr>
+          <a:xfrm>
+            <a:off x="6014355" y="2884793"/>
+            <a:ext cx="2914649" cy="952421"/>
+          </a:xfrm>
+          <a:prstGeom prst="rect">
+            <a:avLst/>
+          </a:prstGeom>
+          <a:noFill/>
+          <a:ln w="57150">
+            <a:solidFill>
+              <a:srgbClr val="C00000"/>
+            </a:solidFill>
+          </a:ln>
+        </p:spPr>
+        <p:style>
+          <a:lnRef idx="2">
+            <a:schemeClr val="accent1">
+              <a:shade val="50000"/>
+            </a:schemeClr>
+          </a:lnRef>
+          <a:fillRef idx="1">
+            <a:schemeClr val="accent1"/>
+          </a:fillRef>
+          <a:effectRef idx="0">
+            <a:schemeClr val="accent1"/>
+          </a:effectRef>
+          <a:fontRef idx="minor">
+            <a:schemeClr val="lt1"/>
+          </a:fontRef>
+        </p:style>
+        <p:txBody>
+          <a:bodyPr rtlCol="0" anchor="ctr"/>
+          <a:lstStyle/>
+          <a:p>
+            <a:pPr algn="ctr"/>
+            <a:endParaRPr lang="en-US"/>
+          </a:p>
+        </p:txBody>
+      </p:sp>
+      <p:sp>
+        <p:nvSpPr>
+          <p:cNvPr id="9" name="Rectangle 8">
+            <a:extLst>
+              <a:ext uri="{FF2B5EF4-FFF2-40B4-BE49-F238E27FC236}">
+                <a16:creationId xmlns:a16="http://schemas.microsoft.com/office/drawing/2014/main" id="{884AEFB9-F774-E5A3-8126-1827171FDD28}"/>
+              </a:ext>
+            </a:extLst>
+          </p:cNvPr>
+          <p:cNvSpPr/>
+          <p:nvPr/>
+        </p:nvSpPr>
+        <p:spPr>
+          <a:xfrm>
+            <a:off x="3028949" y="3919339"/>
+            <a:ext cx="2914649" cy="952421"/>
+          </a:xfrm>
+          <a:prstGeom prst="rect">
+            <a:avLst/>
+          </a:prstGeom>
+          <a:noFill/>
+          <a:ln w="57150">
+            <a:solidFill>
+              <a:srgbClr val="C00000"/>
+            </a:solidFill>
+          </a:ln>
+        </p:spPr>
+        <p:style>
+          <a:lnRef idx="2">
+            <a:schemeClr val="accent1">
+              <a:shade val="50000"/>
+            </a:schemeClr>
+          </a:lnRef>
+          <a:fillRef idx="1">
+            <a:schemeClr val="accent1"/>
+          </a:fillRef>
+          <a:effectRef idx="0">
+            <a:schemeClr val="accent1"/>
+          </a:effectRef>
+          <a:fontRef idx="minor">
+            <a:schemeClr val="lt1"/>
+          </a:fontRef>
+        </p:style>
+        <p:txBody>
+          <a:bodyPr rtlCol="0" anchor="ctr"/>
+          <a:lstStyle/>
+          <a:p>
+            <a:pPr algn="ctr"/>
+            <a:endParaRPr lang="en-US"/>
+          </a:p>
+        </p:txBody>
+      </p:sp>
+      <p:sp>
+        <p:nvSpPr>
+          <p:cNvPr id="10" name="Rectangle 9">
+            <a:extLst>
+              <a:ext uri="{FF2B5EF4-FFF2-40B4-BE49-F238E27FC236}">
+                <a16:creationId xmlns:a16="http://schemas.microsoft.com/office/drawing/2014/main" id="{8B6E48C5-1054-307D-BA14-59FA3FC87FD9}"/>
+              </a:ext>
+            </a:extLst>
+          </p:cNvPr>
+          <p:cNvSpPr/>
+          <p:nvPr/>
+        </p:nvSpPr>
+        <p:spPr>
+          <a:xfrm>
+            <a:off x="3028949" y="4997474"/>
+            <a:ext cx="2914649" cy="952421"/>
+          </a:xfrm>
+          <a:prstGeom prst="rect">
+            <a:avLst/>
+          </a:prstGeom>
+          <a:noFill/>
+          <a:ln w="57150">
+            <a:solidFill>
+              <a:srgbClr val="C00000"/>
+            </a:solidFill>
+          </a:ln>
+        </p:spPr>
+        <p:style>
+          <a:lnRef idx="2">
+            <a:schemeClr val="accent1">
+              <a:shade val="50000"/>
+            </a:schemeClr>
+          </a:lnRef>
+          <a:fillRef idx="1">
+            <a:schemeClr val="accent1"/>
+          </a:fillRef>
+          <a:effectRef idx="0">
+            <a:schemeClr val="accent1"/>
+          </a:effectRef>
+          <a:fontRef idx="minor">
+            <a:schemeClr val="lt1"/>
+          </a:fontRef>
+        </p:style>
+        <p:txBody>
+          <a:bodyPr rtlCol="0" anchor="ctr"/>
+          <a:lstStyle/>
+          <a:p>
+            <a:pPr algn="ctr"/>
+            <a:endParaRPr lang="en-US"/>
+          </a:p>
+        </p:txBody>
+      </p:sp>
+      <p:sp>
+        <p:nvSpPr>
+          <p:cNvPr id="11" name="Rectangle 10">
+            <a:extLst>
+              <a:ext uri="{FF2B5EF4-FFF2-40B4-BE49-F238E27FC236}">
+                <a16:creationId xmlns:a16="http://schemas.microsoft.com/office/drawing/2014/main" id="{F3E56D3C-9F71-8D04-4E3F-D96CC46B6D99}"/>
+              </a:ext>
+            </a:extLst>
+          </p:cNvPr>
+          <p:cNvSpPr/>
+          <p:nvPr/>
+        </p:nvSpPr>
+        <p:spPr>
+          <a:xfrm>
+            <a:off x="6014355" y="3913677"/>
+            <a:ext cx="2914649" cy="952421"/>
+          </a:xfrm>
+          <a:prstGeom prst="rect">
+            <a:avLst/>
+          </a:prstGeom>
+          <a:noFill/>
+          <a:ln w="57150">
+            <a:solidFill>
+              <a:srgbClr val="C00000"/>
+            </a:solidFill>
+          </a:ln>
+        </p:spPr>
+        <p:style>
+          <a:lnRef idx="2">
+            <a:schemeClr val="accent1">
+              <a:shade val="50000"/>
+            </a:schemeClr>
+          </a:lnRef>
+          <a:fillRef idx="1">
+            <a:schemeClr val="accent1"/>
+          </a:fillRef>
+          <a:effectRef idx="0">
+            <a:schemeClr val="accent1"/>
+          </a:effectRef>
+          <a:fontRef idx="minor">
+            <a:schemeClr val="lt1"/>
+          </a:fontRef>
+        </p:style>
+        <p:txBody>
+          <a:bodyPr rtlCol="0" anchor="ctr"/>
+          <a:lstStyle/>
+          <a:p>
+            <a:pPr algn="ctr"/>
+            <a:endParaRPr lang="en-US"/>
+          </a:p>
+        </p:txBody>
+      </p:sp>
+      <p:sp>
+        <p:nvSpPr>
+          <p:cNvPr id="12" name="Rectangle 11">
+            <a:extLst>
+              <a:ext uri="{FF2B5EF4-FFF2-40B4-BE49-F238E27FC236}">
+                <a16:creationId xmlns:a16="http://schemas.microsoft.com/office/drawing/2014/main" id="{65E56D8C-3D29-9BE1-D3A6-0BBE06729E53}"/>
+              </a:ext>
+            </a:extLst>
+          </p:cNvPr>
+          <p:cNvSpPr/>
+          <p:nvPr/>
+        </p:nvSpPr>
+        <p:spPr>
+          <a:xfrm>
+            <a:off x="6030684" y="4997473"/>
+            <a:ext cx="2914649" cy="952421"/>
+          </a:xfrm>
+          <a:prstGeom prst="rect">
+            <a:avLst/>
+          </a:prstGeom>
+          <a:noFill/>
+          <a:ln w="57150">
+            <a:solidFill>
+              <a:srgbClr val="C00000"/>
+            </a:solidFill>
+          </a:ln>
+        </p:spPr>
+        <p:style>
+          <a:lnRef idx="2">
+            <a:schemeClr val="accent1">
+              <a:shade val="50000"/>
+            </a:schemeClr>
+          </a:lnRef>
+          <a:fillRef idx="1">
+            <a:schemeClr val="accent1"/>
+          </a:fillRef>
+          <a:effectRef idx="0">
+            <a:schemeClr val="accent1"/>
+          </a:effectRef>
+          <a:fontRef idx="minor">
+            <a:schemeClr val="lt1"/>
+          </a:fontRef>
+        </p:style>
+        <p:txBody>
+          <a:bodyPr rtlCol="0" anchor="ctr"/>
+          <a:lstStyle/>
+          <a:p>
+            <a:pPr algn="ctr"/>
+            <a:endParaRPr lang="en-US"/>
+          </a:p>
+        </p:txBody>
+      </p:sp>
     </p:spTree>
     <p:extLst>
       <p:ext uri="{BB962C8B-B14F-4D97-AF65-F5344CB8AC3E}">
-        <p14:creationId xmlns:p14="http://schemas.microsoft.com/office/powerpoint/2010/main" val="2057417897"/>
+        <p14:creationId xmlns:p14="http://schemas.microsoft.com/office/powerpoint/2010/main" val="2777833708"/>
+      </p:ext>
+    </p:extLst>
+  </p:cSld>
+  <p:clrMapOvr>
+    <a:masterClrMapping/>
+  </p:clrMapOvr>
+  <p:timing>
+    <p:tnLst>
+      <p:par>
+        <p:cTn id="1" dur="indefinite" restart="never" nodeType="tmRoot">
+          <p:childTnLst>
+            <p:seq concurrent="1" nextAc="seek">
+              <p:cTn id="2" dur="indefinite" nodeType="mainSeq">
+                <p:childTnLst>
+                  <p:par>
+                    <p:cTn id="3" fill="hold">
+                      <p:stCondLst>
+                        <p:cond delay="indefinite"/>
+                      </p:stCondLst>
+                      <p:childTnLst>
+                        <p:par>
+                          <p:cTn id="4" fill="hold">
+                            <p:stCondLst>
+                              <p:cond delay="0"/>
+                            </p:stCondLst>
+                            <p:childTnLst>
+                              <p:par>
+                                <p:cTn id="5" presetID="1" presetClass="entr" presetSubtype="0" fill="hold" grpId="0" nodeType="clickEffect">
+                                  <p:stCondLst>
+                                    <p:cond delay="0"/>
+                                  </p:stCondLst>
+                                  <p:childTnLst>
+                                    <p:set>
+                                      <p:cBhvr>
+                                        <p:cTn id="6" dur="1" fill="hold">
+                                          <p:stCondLst>
+                                            <p:cond delay="0"/>
+                                          </p:stCondLst>
+                                        </p:cTn>
+                                        <p:tgtEl>
+                                          <p:spTgt spid="30"/>
+                                        </p:tgtEl>
+                                        <p:attrNameLst>
+                                          <p:attrName>style.visibility</p:attrName>
+                                        </p:attrNameLst>
+                                      </p:cBhvr>
+                                      <p:to>
+                                        <p:strVal val="visible"/>
+                                      </p:to>
+                                    </p:set>
+                                  </p:childTnLst>
+                                </p:cTn>
+                              </p:par>
+                            </p:childTnLst>
+                          </p:cTn>
+                        </p:par>
+                      </p:childTnLst>
+                    </p:cTn>
+                  </p:par>
+                  <p:par>
+                    <p:cTn id="7" fill="hold">
+                      <p:stCondLst>
+                        <p:cond delay="indefinite"/>
+                      </p:stCondLst>
+                      <p:childTnLst>
+                        <p:par>
+                          <p:cTn id="8" fill="hold">
+                            <p:stCondLst>
+                              <p:cond delay="0"/>
+                            </p:stCondLst>
+                            <p:childTnLst>
+                              <p:par>
+                                <p:cTn id="9" presetID="1" presetClass="entr" presetSubtype="0" fill="hold" grpId="0" nodeType="clickEffect">
+                                  <p:stCondLst>
+                                    <p:cond delay="0"/>
+                                  </p:stCondLst>
+                                  <p:childTnLst>
+                                    <p:set>
+                                      <p:cBhvr>
+                                        <p:cTn id="10" dur="1" fill="hold">
+                                          <p:stCondLst>
+                                            <p:cond delay="0"/>
+                                          </p:stCondLst>
+                                        </p:cTn>
+                                        <p:tgtEl>
+                                          <p:spTgt spid="4"/>
+                                        </p:tgtEl>
+                                        <p:attrNameLst>
+                                          <p:attrName>style.visibility</p:attrName>
+                                        </p:attrNameLst>
+                                      </p:cBhvr>
+                                      <p:to>
+                                        <p:strVal val="visible"/>
+                                      </p:to>
+                                    </p:set>
+                                  </p:childTnLst>
+                                </p:cTn>
+                              </p:par>
+                            </p:childTnLst>
+                          </p:cTn>
+                        </p:par>
+                      </p:childTnLst>
+                    </p:cTn>
+                  </p:par>
+                  <p:par>
+                    <p:cTn id="11" fill="hold">
+                      <p:stCondLst>
+                        <p:cond delay="indefinite"/>
+                      </p:stCondLst>
+                      <p:childTnLst>
+                        <p:par>
+                          <p:cTn id="12" fill="hold">
+                            <p:stCondLst>
+                              <p:cond delay="0"/>
+                            </p:stCondLst>
+                            <p:childTnLst>
+                              <p:par>
+                                <p:cTn id="13" presetID="1" presetClass="entr" presetSubtype="0" fill="hold" grpId="0" nodeType="clickEffect">
+                                  <p:stCondLst>
+                                    <p:cond delay="0"/>
+                                  </p:stCondLst>
+                                  <p:childTnLst>
+                                    <p:set>
+                                      <p:cBhvr>
+                                        <p:cTn id="14" dur="1" fill="hold">
+                                          <p:stCondLst>
+                                            <p:cond delay="0"/>
+                                          </p:stCondLst>
+                                        </p:cTn>
+                                        <p:tgtEl>
+                                          <p:spTgt spid="5"/>
+                                        </p:tgtEl>
+                                        <p:attrNameLst>
+                                          <p:attrName>style.visibility</p:attrName>
+                                        </p:attrNameLst>
+                                      </p:cBhvr>
+                                      <p:to>
+                                        <p:strVal val="visible"/>
+                                      </p:to>
+                                    </p:set>
+                                  </p:childTnLst>
+                                </p:cTn>
+                              </p:par>
+                            </p:childTnLst>
+                          </p:cTn>
+                        </p:par>
+                      </p:childTnLst>
+                    </p:cTn>
+                  </p:par>
+                  <p:par>
+                    <p:cTn id="15" fill="hold">
+                      <p:stCondLst>
+                        <p:cond delay="indefinite"/>
+                      </p:stCondLst>
+                      <p:childTnLst>
+                        <p:par>
+                          <p:cTn id="16" fill="hold">
+                            <p:stCondLst>
+                              <p:cond delay="0"/>
+                            </p:stCondLst>
+                            <p:childTnLst>
+                              <p:par>
+                                <p:cTn id="17" presetID="1" presetClass="entr" presetSubtype="0" fill="hold" grpId="0" nodeType="clickEffect">
+                                  <p:stCondLst>
+                                    <p:cond delay="0"/>
+                                  </p:stCondLst>
+                                  <p:childTnLst>
+                                    <p:set>
+                                      <p:cBhvr>
+                                        <p:cTn id="18" dur="1" fill="hold">
+                                          <p:stCondLst>
+                                            <p:cond delay="0"/>
+                                          </p:stCondLst>
+                                        </p:cTn>
+                                        <p:tgtEl>
+                                          <p:spTgt spid="8"/>
+                                        </p:tgtEl>
+                                        <p:attrNameLst>
+                                          <p:attrName>style.visibility</p:attrName>
+                                        </p:attrNameLst>
+                                      </p:cBhvr>
+                                      <p:to>
+                                        <p:strVal val="visible"/>
+                                      </p:to>
+                                    </p:set>
+                                  </p:childTnLst>
+                                </p:cTn>
+                              </p:par>
+                            </p:childTnLst>
+                          </p:cTn>
+                        </p:par>
+                      </p:childTnLst>
+                    </p:cTn>
+                  </p:par>
+                  <p:par>
+                    <p:cTn id="19" fill="hold">
+                      <p:stCondLst>
+                        <p:cond delay="indefinite"/>
+                      </p:stCondLst>
+                      <p:childTnLst>
+                        <p:par>
+                          <p:cTn id="20" fill="hold">
+                            <p:stCondLst>
+                              <p:cond delay="0"/>
+                            </p:stCondLst>
+                            <p:childTnLst>
+                              <p:par>
+                                <p:cTn id="21" presetID="1" presetClass="entr" presetSubtype="0" fill="hold" grpId="0" nodeType="clickEffect">
+                                  <p:stCondLst>
+                                    <p:cond delay="0"/>
+                                  </p:stCondLst>
+                                  <p:childTnLst>
+                                    <p:set>
+                                      <p:cBhvr>
+                                        <p:cTn id="22" dur="1" fill="hold">
+                                          <p:stCondLst>
+                                            <p:cond delay="0"/>
+                                          </p:stCondLst>
+                                        </p:cTn>
+                                        <p:tgtEl>
+                                          <p:spTgt spid="9"/>
+                                        </p:tgtEl>
+                                        <p:attrNameLst>
+                                          <p:attrName>style.visibility</p:attrName>
+                                        </p:attrNameLst>
+                                      </p:cBhvr>
+                                      <p:to>
+                                        <p:strVal val="visible"/>
+                                      </p:to>
+                                    </p:set>
+                                  </p:childTnLst>
+                                </p:cTn>
+                              </p:par>
+                            </p:childTnLst>
+                          </p:cTn>
+                        </p:par>
+                      </p:childTnLst>
+                    </p:cTn>
+                  </p:par>
+                  <p:par>
+                    <p:cTn id="23" fill="hold">
+                      <p:stCondLst>
+                        <p:cond delay="indefinite"/>
+                      </p:stCondLst>
+                      <p:childTnLst>
+                        <p:par>
+                          <p:cTn id="24" fill="hold">
+                            <p:stCondLst>
+                              <p:cond delay="0"/>
+                            </p:stCondLst>
+                            <p:childTnLst>
+                              <p:par>
+                                <p:cTn id="25" presetID="1" presetClass="entr" presetSubtype="0" fill="hold" grpId="0" nodeType="clickEffect">
+                                  <p:stCondLst>
+                                    <p:cond delay="0"/>
+                                  </p:stCondLst>
+                                  <p:childTnLst>
+                                    <p:set>
+                                      <p:cBhvr>
+                                        <p:cTn id="26" dur="1" fill="hold">
+                                          <p:stCondLst>
+                                            <p:cond delay="0"/>
+                                          </p:stCondLst>
+                                        </p:cTn>
+                                        <p:tgtEl>
+                                          <p:spTgt spid="11"/>
+                                        </p:tgtEl>
+                                        <p:attrNameLst>
+                                          <p:attrName>style.visibility</p:attrName>
+                                        </p:attrNameLst>
+                                      </p:cBhvr>
+                                      <p:to>
+                                        <p:strVal val="visible"/>
+                                      </p:to>
+                                    </p:set>
+                                  </p:childTnLst>
+                                </p:cTn>
+                              </p:par>
+                            </p:childTnLst>
+                          </p:cTn>
+                        </p:par>
+                      </p:childTnLst>
+                    </p:cTn>
+                  </p:par>
+                  <p:par>
+                    <p:cTn id="27" fill="hold">
+                      <p:stCondLst>
+                        <p:cond delay="indefinite"/>
+                      </p:stCondLst>
+                      <p:childTnLst>
+                        <p:par>
+                          <p:cTn id="28" fill="hold">
+                            <p:stCondLst>
+                              <p:cond delay="0"/>
+                            </p:stCondLst>
+                            <p:childTnLst>
+                              <p:par>
+                                <p:cTn id="29" presetID="1" presetClass="entr" presetSubtype="0" fill="hold" grpId="0" nodeType="clickEffect">
+                                  <p:stCondLst>
+                                    <p:cond delay="0"/>
+                                  </p:stCondLst>
+                                  <p:childTnLst>
+                                    <p:set>
+                                      <p:cBhvr>
+                                        <p:cTn id="30" dur="1" fill="hold">
+                                          <p:stCondLst>
+                                            <p:cond delay="0"/>
+                                          </p:stCondLst>
+                                        </p:cTn>
+                                        <p:tgtEl>
+                                          <p:spTgt spid="10"/>
+                                        </p:tgtEl>
+                                        <p:attrNameLst>
+                                          <p:attrName>style.visibility</p:attrName>
+                                        </p:attrNameLst>
+                                      </p:cBhvr>
+                                      <p:to>
+                                        <p:strVal val="visible"/>
+                                      </p:to>
+                                    </p:set>
+                                  </p:childTnLst>
+                                </p:cTn>
+                              </p:par>
+                            </p:childTnLst>
+                          </p:cTn>
+                        </p:par>
+                      </p:childTnLst>
+                    </p:cTn>
+                  </p:par>
+                  <p:par>
+                    <p:cTn id="31" fill="hold">
+                      <p:stCondLst>
+                        <p:cond delay="indefinite"/>
+                      </p:stCondLst>
+                      <p:childTnLst>
+                        <p:par>
+                          <p:cTn id="32" fill="hold">
+                            <p:stCondLst>
+                              <p:cond delay="0"/>
+                            </p:stCondLst>
+                            <p:childTnLst>
+                              <p:par>
+                                <p:cTn id="33" presetID="1" presetClass="entr" presetSubtype="0" fill="hold" grpId="0" nodeType="clickEffect">
+                                  <p:stCondLst>
+                                    <p:cond delay="0"/>
+                                  </p:stCondLst>
+                                  <p:childTnLst>
+                                    <p:set>
+                                      <p:cBhvr>
+                                        <p:cTn id="34" dur="1" fill="hold">
+                                          <p:stCondLst>
+                                            <p:cond delay="0"/>
+                                          </p:stCondLst>
+                                        </p:cTn>
+                                        <p:tgtEl>
+                                          <p:spTgt spid="12"/>
+                                        </p:tgtEl>
+                                        <p:attrNameLst>
+                                          <p:attrName>style.visibility</p:attrName>
+                                        </p:attrNameLst>
+                                      </p:cBhvr>
+                                      <p:to>
+                                        <p:strVal val="visible"/>
+                                      </p:to>
+                                    </p:set>
+                                  </p:childTnLst>
+                                </p:cTn>
+                              </p:par>
+                            </p:childTnLst>
+                          </p:cTn>
+                        </p:par>
+                      </p:childTnLst>
+                    </p:cTn>
+                  </p:par>
+                </p:childTnLst>
+              </p:cTn>
+              <p:prevCondLst>
+                <p:cond evt="onPrev" delay="0">
+                  <p:tgtEl>
+                    <p:sldTgt/>
+                  </p:tgtEl>
+                </p:cond>
+              </p:prevCondLst>
+              <p:nextCondLst>
+                <p:cond evt="onNext" delay="0">
+                  <p:tgtEl>
+                    <p:sldTgt/>
+                  </p:tgtEl>
+                </p:cond>
+              </p:nextCondLst>
+            </p:seq>
+          </p:childTnLst>
+        </p:cTn>
+      </p:par>
+    </p:tnLst>
+    <p:bldLst>
+      <p:bldP spid="30" grpId="0" animBg="1"/>
+      <p:bldP spid="4" grpId="0" animBg="1"/>
+      <p:bldP spid="5" grpId="0" animBg="1"/>
+      <p:bldP spid="8" grpId="0" animBg="1"/>
+      <p:bldP spid="9" grpId="0" animBg="1"/>
+      <p:bldP spid="10" grpId="0" animBg="1"/>
+      <p:bldP spid="11" grpId="0" animBg="1"/>
+      <p:bldP spid="12" grpId="0" animBg="1"/>
+    </p:bldLst>
+  </p:timing>
+</p:sld>
+</file>
+
+<file path=ppt/slides/slide7.xml><?xml version="1.0" encoding="utf-8"?>
+<p:sld xmlns:a="http://schemas.openxmlformats.org/drawingml/2006/main" xmlns:r="http://schemas.openxmlformats.org/officeDocument/2006/relationships" xmlns:p="http://schemas.openxmlformats.org/presentationml/2006/main">
+  <p:cSld>
+    <p:spTree>
+      <p:nvGrpSpPr>
+        <p:cNvPr id="1" name=""/>
+        <p:cNvGrpSpPr/>
+        <p:nvPr/>
+      </p:nvGrpSpPr>
+      <p:grpSpPr>
+        <a:xfrm>
+          <a:off x="0" y="0"/>
+          <a:ext cx="0" cy="0"/>
+          <a:chOff x="0" y="0"/>
+          <a:chExt cx="0" cy="0"/>
+        </a:xfrm>
+      </p:grpSpPr>
+      <p:sp>
+        <p:nvSpPr>
+          <p:cNvPr id="2" name="Date Placeholder 1">
+            <a:extLst>
+              <a:ext uri="{FF2B5EF4-FFF2-40B4-BE49-F238E27FC236}">
+                <a16:creationId xmlns:a16="http://schemas.microsoft.com/office/drawing/2014/main" id="{20B4B6E1-6794-33D2-7082-457EA7553EAE}"/>
+              </a:ext>
+            </a:extLst>
+          </p:cNvPr>
+          <p:cNvSpPr>
+            <a:spLocks noGrp="1"/>
+          </p:cNvSpPr>
+          <p:nvPr>
+            <p:ph type="dt" sz="half" idx="10"/>
+          </p:nvPr>
+        </p:nvSpPr>
+        <p:spPr/>
+        <p:txBody>
+          <a:bodyPr/>
+          <a:lstStyle/>
+          <a:p>
+            <a:fld id="{6700A58B-DD98-43D0-B791-721480A02982}" type="datetime1">
+              <a:rPr lang="en-US" smtClean="0"/>
+              <a:t>3/21/23</a:t>
+            </a:fld>
+            <a:endParaRPr lang="en-US"/>
+          </a:p>
+        </p:txBody>
+      </p:sp>
+      <p:sp>
+        <p:nvSpPr>
+          <p:cNvPr id="3" name="Title 2">
+            <a:extLst>
+              <a:ext uri="{FF2B5EF4-FFF2-40B4-BE49-F238E27FC236}">
+                <a16:creationId xmlns:a16="http://schemas.microsoft.com/office/drawing/2014/main" id="{F667BC6F-BE82-3DF5-7B3D-2002F6930B5E}"/>
+              </a:ext>
+            </a:extLst>
+          </p:cNvPr>
+          <p:cNvSpPr>
+            <a:spLocks noGrp="1"/>
+          </p:cNvSpPr>
+          <p:nvPr>
+            <p:ph type="title"/>
+          </p:nvPr>
+        </p:nvSpPr>
+        <p:spPr/>
+        <p:txBody>
+          <a:bodyPr/>
+          <a:lstStyle/>
+          <a:p>
+            <a:r>
+              <a:rPr lang="en-US" dirty="0"/>
+              <a:t>Navigating an HTML document</a:t>
+            </a:r>
+          </a:p>
+        </p:txBody>
+      </p:sp>
+      <p:sp>
+        <p:nvSpPr>
+          <p:cNvPr id="4" name="Slide Number Placeholder 3">
+            <a:extLst>
+              <a:ext uri="{FF2B5EF4-FFF2-40B4-BE49-F238E27FC236}">
+                <a16:creationId xmlns:a16="http://schemas.microsoft.com/office/drawing/2014/main" id="{A27A1CCF-19BA-4126-1D00-93D726C4587D}"/>
+              </a:ext>
+            </a:extLst>
+          </p:cNvPr>
+          <p:cNvSpPr>
+            <a:spLocks noGrp="1"/>
+          </p:cNvSpPr>
+          <p:nvPr>
+            <p:ph type="sldNum" sz="quarter" idx="12"/>
+          </p:nvPr>
+        </p:nvSpPr>
+        <p:spPr/>
+        <p:txBody>
+          <a:bodyPr/>
+          <a:lstStyle/>
+          <a:p>
+            <a:fld id="{37290FF7-652B-4475-AEAB-8B1A5D23AE09}" type="slidenum">
+              <a:rPr lang="en-US" smtClean="0"/>
+              <a:t>7</a:t>
+            </a:fld>
+            <a:endParaRPr lang="en-US"/>
+          </a:p>
+        </p:txBody>
+      </p:sp>
+      <p:sp>
+        <p:nvSpPr>
+          <p:cNvPr id="5" name="Footer Placeholder 4">
+            <a:extLst>
+              <a:ext uri="{FF2B5EF4-FFF2-40B4-BE49-F238E27FC236}">
+                <a16:creationId xmlns:a16="http://schemas.microsoft.com/office/drawing/2014/main" id="{2D13F4AD-DD95-A0CC-80E4-15BD6DFBB2C2}"/>
+              </a:ext>
+            </a:extLst>
+          </p:cNvPr>
+          <p:cNvSpPr>
+            <a:spLocks noGrp="1"/>
+          </p:cNvSpPr>
+          <p:nvPr>
+            <p:ph type="ftr" sz="quarter" idx="3"/>
+          </p:nvPr>
+        </p:nvSpPr>
+        <p:spPr/>
+        <p:txBody>
+          <a:bodyPr/>
+          <a:lstStyle/>
+          <a:p>
+            <a:r>
+              <a:rPr lang="en-US"/>
+              <a:t>Kwartler CSCI 6</a:t>
+            </a:r>
+            <a:endParaRPr lang="en-US" dirty="0"/>
+          </a:p>
+        </p:txBody>
+      </p:sp>
+      <p:sp>
+        <p:nvSpPr>
+          <p:cNvPr id="7" name="TextBox 6">
+            <a:extLst>
+              <a:ext uri="{FF2B5EF4-FFF2-40B4-BE49-F238E27FC236}">
+                <a16:creationId xmlns:a16="http://schemas.microsoft.com/office/drawing/2014/main" id="{3A31A4A3-A531-A3D2-25F8-5E0CA46ABD83}"/>
+              </a:ext>
+            </a:extLst>
+          </p:cNvPr>
+          <p:cNvSpPr txBox="1"/>
+          <p:nvPr/>
+        </p:nvSpPr>
+        <p:spPr>
+          <a:xfrm>
+            <a:off x="4472178" y="3996247"/>
+            <a:ext cx="4171950" cy="2031325"/>
+          </a:xfrm>
+          <a:prstGeom prst="rect">
+            <a:avLst/>
+          </a:prstGeom>
+          <a:noFill/>
+        </p:spPr>
+        <p:txBody>
+          <a:bodyPr wrap="square">
+            <a:spAutoFit/>
+          </a:bodyPr>
+          <a:lstStyle/>
+          <a:p>
+            <a:r>
+              <a:rPr lang="en-US" b="0" i="0" dirty="0">
+                <a:solidFill>
+                  <a:srgbClr val="4D5156"/>
+                </a:solidFill>
+                <a:effectLst/>
+                <a:highlight>
+                  <a:srgbClr val="FFFF00"/>
+                </a:highlight>
+                <a:latin typeface="Roboto" panose="02000000000000000000" pitchFamily="2" charset="0"/>
+              </a:rPr>
+              <a:t>XPath</a:t>
+            </a:r>
+            <a:r>
+              <a:rPr lang="en-US" b="0" i="0" dirty="0">
+                <a:solidFill>
+                  <a:srgbClr val="4D5156"/>
+                </a:solidFill>
+                <a:effectLst/>
+                <a:latin typeface="Roboto" panose="02000000000000000000" pitchFamily="2" charset="0"/>
+              </a:rPr>
+              <a:t> is an expression language designed to support the query or transformation of XML documents. It was defined by the World Wide Web Consortium and can be used to compute values from the content of an XML document.</a:t>
+            </a:r>
+            <a:endParaRPr lang="en-US" dirty="0"/>
+          </a:p>
+        </p:txBody>
+      </p:sp>
+      <p:sp>
+        <p:nvSpPr>
+          <p:cNvPr id="9" name="TextBox 8">
+            <a:extLst>
+              <a:ext uri="{FF2B5EF4-FFF2-40B4-BE49-F238E27FC236}">
+                <a16:creationId xmlns:a16="http://schemas.microsoft.com/office/drawing/2014/main" id="{9B473B58-32CC-9645-D37D-72969AEDA4BF}"/>
+              </a:ext>
+            </a:extLst>
+          </p:cNvPr>
+          <p:cNvSpPr txBox="1"/>
+          <p:nvPr/>
+        </p:nvSpPr>
+        <p:spPr>
+          <a:xfrm>
+            <a:off x="4472178" y="1858328"/>
+            <a:ext cx="4572000" cy="1477328"/>
+          </a:xfrm>
+          <a:prstGeom prst="rect">
+            <a:avLst/>
+          </a:prstGeom>
+          <a:noFill/>
+        </p:spPr>
+        <p:txBody>
+          <a:bodyPr wrap="square">
+            <a:spAutoFit/>
+          </a:bodyPr>
+          <a:lstStyle/>
+          <a:p>
+            <a:r>
+              <a:rPr lang="en-US" i="0" dirty="0">
+                <a:solidFill>
+                  <a:srgbClr val="202124"/>
+                </a:solidFill>
+                <a:effectLst/>
+                <a:latin typeface="Roboto" panose="02000000000000000000" pitchFamily="2" charset="0"/>
+              </a:rPr>
+              <a:t>The Extensible Markup Language (</a:t>
+            </a:r>
+            <a:r>
+              <a:rPr lang="en-US" i="0" dirty="0">
+                <a:solidFill>
+                  <a:srgbClr val="202124"/>
+                </a:solidFill>
+                <a:effectLst/>
+                <a:highlight>
+                  <a:srgbClr val="FFFF00"/>
+                </a:highlight>
+                <a:latin typeface="Roboto" panose="02000000000000000000" pitchFamily="2" charset="0"/>
+              </a:rPr>
+              <a:t>XML</a:t>
+            </a:r>
+            <a:r>
+              <a:rPr lang="en-US" i="0" dirty="0">
+                <a:solidFill>
+                  <a:srgbClr val="202124"/>
+                </a:solidFill>
+                <a:effectLst/>
+                <a:latin typeface="Roboto" panose="02000000000000000000" pitchFamily="2" charset="0"/>
+              </a:rPr>
+              <a:t>) is a simple text-based format for representing structured information: documents, data, configuration, books, transactions, invoices, etc.</a:t>
+            </a:r>
+            <a:endParaRPr lang="en-US" dirty="0"/>
+          </a:p>
+        </p:txBody>
+      </p:sp>
+      <p:sp>
+        <p:nvSpPr>
+          <p:cNvPr id="10" name="TextBox 9">
+            <a:extLst>
+              <a:ext uri="{FF2B5EF4-FFF2-40B4-BE49-F238E27FC236}">
+                <a16:creationId xmlns:a16="http://schemas.microsoft.com/office/drawing/2014/main" id="{3A0739CD-A384-F4A4-A39A-EC232C5E2B45}"/>
+              </a:ext>
+            </a:extLst>
+          </p:cNvPr>
+          <p:cNvSpPr txBox="1"/>
+          <p:nvPr/>
+        </p:nvSpPr>
+        <p:spPr>
+          <a:xfrm>
+            <a:off x="258318" y="2014760"/>
+            <a:ext cx="3497948" cy="923330"/>
+          </a:xfrm>
+          <a:prstGeom prst="rect">
+            <a:avLst/>
+          </a:prstGeom>
+          <a:noFill/>
+        </p:spPr>
+        <p:txBody>
+          <a:bodyPr wrap="square" rtlCol="0">
+            <a:spAutoFit/>
+          </a:bodyPr>
+          <a:lstStyle/>
+          <a:p>
+            <a:r>
+              <a:rPr lang="en-US" dirty="0"/>
+              <a:t>Structured documents are often written in XML, just another format like JSON you saw earlier.</a:t>
+            </a:r>
+          </a:p>
+        </p:txBody>
+      </p:sp>
+      <p:sp>
+        <p:nvSpPr>
+          <p:cNvPr id="11" name="TextBox 10">
+            <a:extLst>
+              <a:ext uri="{FF2B5EF4-FFF2-40B4-BE49-F238E27FC236}">
+                <a16:creationId xmlns:a16="http://schemas.microsoft.com/office/drawing/2014/main" id="{C27053D3-B8B9-68D4-F2AB-8FCAC41AAE04}"/>
+              </a:ext>
+            </a:extLst>
+          </p:cNvPr>
+          <p:cNvSpPr txBox="1"/>
+          <p:nvPr/>
+        </p:nvSpPr>
+        <p:spPr>
+          <a:xfrm>
+            <a:off x="258318" y="4374864"/>
+            <a:ext cx="3497948" cy="646331"/>
+          </a:xfrm>
+          <a:prstGeom prst="rect">
+            <a:avLst/>
+          </a:prstGeom>
+          <a:noFill/>
+        </p:spPr>
+        <p:txBody>
+          <a:bodyPr wrap="square" rtlCol="0">
+            <a:spAutoFit/>
+          </a:bodyPr>
+          <a:lstStyle/>
+          <a:p>
+            <a:r>
+              <a:rPr lang="en-US" dirty="0" err="1"/>
+              <a:t>Xpath</a:t>
+            </a:r>
+            <a:r>
+              <a:rPr lang="en-US" dirty="0"/>
+              <a:t> is used to navigate an XML document.</a:t>
+            </a:r>
+          </a:p>
+        </p:txBody>
+      </p:sp>
+      <p:sp>
+        <p:nvSpPr>
+          <p:cNvPr id="12" name="Triangle 11">
+            <a:extLst>
+              <a:ext uri="{FF2B5EF4-FFF2-40B4-BE49-F238E27FC236}">
+                <a16:creationId xmlns:a16="http://schemas.microsoft.com/office/drawing/2014/main" id="{B77CF33C-EDAE-E839-E531-B9B3BDAF4D2A}"/>
+              </a:ext>
+            </a:extLst>
+          </p:cNvPr>
+          <p:cNvSpPr/>
+          <p:nvPr/>
+        </p:nvSpPr>
+        <p:spPr>
+          <a:xfrm rot="5400000">
+            <a:off x="3614349" y="2350243"/>
+            <a:ext cx="999744" cy="328779"/>
+          </a:xfrm>
+          <a:prstGeom prst="triangle">
+            <a:avLst/>
+          </a:prstGeom>
+        </p:spPr>
+        <p:style>
+          <a:lnRef idx="2">
+            <a:schemeClr val="accent1">
+              <a:shade val="50000"/>
+            </a:schemeClr>
+          </a:lnRef>
+          <a:fillRef idx="1">
+            <a:schemeClr val="accent1"/>
+          </a:fillRef>
+          <a:effectRef idx="0">
+            <a:schemeClr val="accent1"/>
+          </a:effectRef>
+          <a:fontRef idx="minor">
+            <a:schemeClr val="lt1"/>
+          </a:fontRef>
+        </p:style>
+        <p:txBody>
+          <a:bodyPr rtlCol="0" anchor="ctr"/>
+          <a:lstStyle/>
+          <a:p>
+            <a:pPr algn="ctr"/>
+            <a:endParaRPr lang="en-US"/>
+          </a:p>
+        </p:txBody>
+      </p:sp>
+      <p:sp>
+        <p:nvSpPr>
+          <p:cNvPr id="13" name="Triangle 12">
+            <a:extLst>
+              <a:ext uri="{FF2B5EF4-FFF2-40B4-BE49-F238E27FC236}">
+                <a16:creationId xmlns:a16="http://schemas.microsoft.com/office/drawing/2014/main" id="{208EAC7C-1ACA-D8F8-D7C1-B2E6894F2BD2}"/>
+              </a:ext>
+            </a:extLst>
+          </p:cNvPr>
+          <p:cNvSpPr/>
+          <p:nvPr/>
+        </p:nvSpPr>
+        <p:spPr>
+          <a:xfrm rot="5400000">
+            <a:off x="3614348" y="4633932"/>
+            <a:ext cx="999744" cy="328779"/>
+          </a:xfrm>
+          <a:prstGeom prst="triangle">
+            <a:avLst/>
+          </a:prstGeom>
+        </p:spPr>
+        <p:style>
+          <a:lnRef idx="2">
+            <a:schemeClr val="accent1">
+              <a:shade val="50000"/>
+            </a:schemeClr>
+          </a:lnRef>
+          <a:fillRef idx="1">
+            <a:schemeClr val="accent1"/>
+          </a:fillRef>
+          <a:effectRef idx="0">
+            <a:schemeClr val="accent1"/>
+          </a:effectRef>
+          <a:fontRef idx="minor">
+            <a:schemeClr val="lt1"/>
+          </a:fontRef>
+        </p:style>
+        <p:txBody>
+          <a:bodyPr rtlCol="0" anchor="ctr"/>
+          <a:lstStyle/>
+          <a:p>
+            <a:pPr algn="ctr"/>
+            <a:endParaRPr lang="en-US"/>
+          </a:p>
+        </p:txBody>
+      </p:sp>
+    </p:spTree>
+    <p:extLst>
+      <p:ext uri="{BB962C8B-B14F-4D97-AF65-F5344CB8AC3E}">
+        <p14:creationId xmlns:p14="http://schemas.microsoft.com/office/powerpoint/2010/main" val="1406320637"/>
+      </p:ext>
+    </p:extLst>
+  </p:cSld>
+  <p:clrMapOvr>
+    <a:masterClrMapping/>
+  </p:clrMapOvr>
+</p:sld>
+</file>
+
+<file path=ppt/slides/slide8.xml><?xml version="1.0" encoding="utf-8"?>
+<p:sld xmlns:a="http://schemas.openxmlformats.org/drawingml/2006/main" xmlns:r="http://schemas.openxmlformats.org/officeDocument/2006/relationships" xmlns:p="http://schemas.openxmlformats.org/presentationml/2006/main">
+  <p:cSld>
+    <p:spTree>
+      <p:nvGrpSpPr>
+        <p:cNvPr id="1" name=""/>
+        <p:cNvGrpSpPr/>
+        <p:nvPr/>
+      </p:nvGrpSpPr>
+      <p:grpSpPr>
+        <a:xfrm>
+          <a:off x="0" y="0"/>
+          <a:ext cx="0" cy="0"/>
+          <a:chOff x="0" y="0"/>
+          <a:chExt cx="0" cy="0"/>
+        </a:xfrm>
+      </p:grpSpPr>
+      <p:sp>
+        <p:nvSpPr>
+          <p:cNvPr id="2" name="Date Placeholder 1">
+            <a:extLst>
+              <a:ext uri="{FF2B5EF4-FFF2-40B4-BE49-F238E27FC236}">
+                <a16:creationId xmlns:a16="http://schemas.microsoft.com/office/drawing/2014/main" id="{8FAA846C-D22D-810D-34A3-2EF4B19C0A9F}"/>
+              </a:ext>
+            </a:extLst>
+          </p:cNvPr>
+          <p:cNvSpPr>
+            <a:spLocks noGrp="1"/>
+          </p:cNvSpPr>
+          <p:nvPr>
+            <p:ph type="dt" sz="half" idx="10"/>
+          </p:nvPr>
+        </p:nvSpPr>
+        <p:spPr/>
+        <p:txBody>
+          <a:bodyPr/>
+          <a:lstStyle/>
+          <a:p>
+            <a:fld id="{6700A58B-DD98-43D0-B791-721480A02982}" type="datetime1">
+              <a:rPr lang="en-US" smtClean="0"/>
+              <a:t>3/21/23</a:t>
+            </a:fld>
+            <a:endParaRPr lang="en-US"/>
+          </a:p>
+        </p:txBody>
+      </p:sp>
+      <p:sp>
+        <p:nvSpPr>
+          <p:cNvPr id="3" name="Title 2">
+            <a:extLst>
+              <a:ext uri="{FF2B5EF4-FFF2-40B4-BE49-F238E27FC236}">
+                <a16:creationId xmlns:a16="http://schemas.microsoft.com/office/drawing/2014/main" id="{1ECDB01D-A869-93D6-25A9-4F0F022EF3DA}"/>
+              </a:ext>
+            </a:extLst>
+          </p:cNvPr>
+          <p:cNvSpPr>
+            <a:spLocks noGrp="1"/>
+          </p:cNvSpPr>
+          <p:nvPr>
+            <p:ph type="title"/>
+          </p:nvPr>
+        </p:nvSpPr>
+        <p:spPr/>
+        <p:txBody>
+          <a:bodyPr/>
+          <a:lstStyle/>
+          <a:p>
+            <a:endParaRPr lang="en-US"/>
+          </a:p>
+        </p:txBody>
+      </p:sp>
+      <p:sp>
+        <p:nvSpPr>
+          <p:cNvPr id="4" name="Slide Number Placeholder 3">
+            <a:extLst>
+              <a:ext uri="{FF2B5EF4-FFF2-40B4-BE49-F238E27FC236}">
+                <a16:creationId xmlns:a16="http://schemas.microsoft.com/office/drawing/2014/main" id="{2FFAF9D1-69A9-DFC3-6AA9-F1D2D739F131}"/>
+              </a:ext>
+            </a:extLst>
+          </p:cNvPr>
+          <p:cNvSpPr>
+            <a:spLocks noGrp="1"/>
+          </p:cNvSpPr>
+          <p:nvPr>
+            <p:ph type="sldNum" sz="quarter" idx="12"/>
+          </p:nvPr>
+        </p:nvSpPr>
+        <p:spPr/>
+        <p:txBody>
+          <a:bodyPr/>
+          <a:lstStyle/>
+          <a:p>
+            <a:fld id="{37290FF7-652B-4475-AEAB-8B1A5D23AE09}" type="slidenum">
+              <a:rPr lang="en-US" smtClean="0"/>
+              <a:t>8</a:t>
+            </a:fld>
+            <a:endParaRPr lang="en-US"/>
+          </a:p>
+        </p:txBody>
+      </p:sp>
+      <p:sp>
+        <p:nvSpPr>
+          <p:cNvPr id="5" name="Footer Placeholder 4">
+            <a:extLst>
+              <a:ext uri="{FF2B5EF4-FFF2-40B4-BE49-F238E27FC236}">
+                <a16:creationId xmlns:a16="http://schemas.microsoft.com/office/drawing/2014/main" id="{7F76748D-9D79-F78B-2C15-6E27A87AD81E}"/>
+              </a:ext>
+            </a:extLst>
+          </p:cNvPr>
+          <p:cNvSpPr>
+            <a:spLocks noGrp="1"/>
+          </p:cNvSpPr>
+          <p:nvPr>
+            <p:ph type="ftr" sz="quarter" idx="3"/>
+          </p:nvPr>
+        </p:nvSpPr>
+        <p:spPr/>
+        <p:txBody>
+          <a:bodyPr/>
+          <a:lstStyle/>
+          <a:p>
+            <a:r>
+              <a:rPr lang="en-US"/>
+              <a:t>Kwartler CSCI 6</a:t>
+            </a:r>
+            <a:endParaRPr lang="en-US" dirty="0"/>
+          </a:p>
+        </p:txBody>
+      </p:sp>
+      <p:pic>
+        <p:nvPicPr>
+          <p:cNvPr id="7" name="Picture 6">
+            <a:extLst>
+              <a:ext uri="{FF2B5EF4-FFF2-40B4-BE49-F238E27FC236}">
+                <a16:creationId xmlns:a16="http://schemas.microsoft.com/office/drawing/2014/main" id="{5BCBAA6D-3DD3-429C-5A5D-7242D860121F}"/>
+              </a:ext>
+            </a:extLst>
+          </p:cNvPr>
+          <p:cNvPicPr>
+            <a:picLocks noChangeAspect="1"/>
+          </p:cNvPicPr>
+          <p:nvPr/>
+        </p:nvPicPr>
+        <p:blipFill>
+          <a:blip r:embed="rId2"/>
+          <a:stretch>
+            <a:fillRect/>
+          </a:stretch>
+        </p:blipFill>
+        <p:spPr>
+          <a:xfrm>
+            <a:off x="3136048" y="1268680"/>
+            <a:ext cx="5753485" cy="3595928"/>
+          </a:xfrm>
+          <a:prstGeom prst="rect">
+            <a:avLst/>
+          </a:prstGeom>
+        </p:spPr>
+      </p:pic>
+      <p:sp>
+        <p:nvSpPr>
+          <p:cNvPr id="8" name="TextBox 7">
+            <a:extLst>
+              <a:ext uri="{FF2B5EF4-FFF2-40B4-BE49-F238E27FC236}">
+                <a16:creationId xmlns:a16="http://schemas.microsoft.com/office/drawing/2014/main" id="{9AF3DA6A-D4B9-B825-9DFF-2BCDC10EBDD9}"/>
+              </a:ext>
+            </a:extLst>
+          </p:cNvPr>
+          <p:cNvSpPr txBox="1"/>
+          <p:nvPr/>
+        </p:nvSpPr>
+        <p:spPr>
+          <a:xfrm>
+            <a:off x="258318" y="2014760"/>
+            <a:ext cx="2875026" cy="1754326"/>
+          </a:xfrm>
+          <a:prstGeom prst="rect">
+            <a:avLst/>
+          </a:prstGeom>
+          <a:noFill/>
+        </p:spPr>
+        <p:txBody>
+          <a:bodyPr wrap="square" rtlCol="0">
+            <a:spAutoFit/>
+          </a:bodyPr>
+          <a:lstStyle/>
+          <a:p>
+            <a:r>
+              <a:rPr lang="en-US" dirty="0"/>
+              <a:t>First, highlight what’s interesting on the page.</a:t>
+            </a:r>
+          </a:p>
+          <a:p>
+            <a:r>
+              <a:rPr lang="en-US" dirty="0"/>
+              <a:t>Next, right click or control-click and select “inspect” because you want to inspect this element.</a:t>
+            </a:r>
+          </a:p>
+        </p:txBody>
+      </p:sp>
+    </p:spTree>
+    <p:extLst>
+      <p:ext uri="{BB962C8B-B14F-4D97-AF65-F5344CB8AC3E}">
+        <p14:creationId xmlns:p14="http://schemas.microsoft.com/office/powerpoint/2010/main" val="189422763"/>
+      </p:ext>
+    </p:extLst>
+  </p:cSld>
+  <p:clrMapOvr>
+    <a:masterClrMapping/>
+  </p:clrMapOvr>
+</p:sld>
+</file>
+
+<file path=ppt/slides/slide9.xml><?xml version="1.0" encoding="utf-8"?>
+<p:sld xmlns:a="http://schemas.openxmlformats.org/drawingml/2006/main" xmlns:r="http://schemas.openxmlformats.org/officeDocument/2006/relationships" xmlns:p="http://schemas.openxmlformats.org/presentationml/2006/main">
+  <p:cSld>
+    <p:spTree>
+      <p:nvGrpSpPr>
+        <p:cNvPr id="1" name=""/>
+        <p:cNvGrpSpPr/>
+        <p:nvPr/>
+      </p:nvGrpSpPr>
+      <p:grpSpPr>
+        <a:xfrm>
+          <a:off x="0" y="0"/>
+          <a:ext cx="0" cy="0"/>
+          <a:chOff x="0" y="0"/>
+          <a:chExt cx="0" cy="0"/>
+        </a:xfrm>
+      </p:grpSpPr>
+      <p:sp>
+        <p:nvSpPr>
+          <p:cNvPr id="2" name="Date Placeholder 1">
+            <a:extLst>
+              <a:ext uri="{FF2B5EF4-FFF2-40B4-BE49-F238E27FC236}">
+                <a16:creationId xmlns:a16="http://schemas.microsoft.com/office/drawing/2014/main" id="{BABABF81-D7D6-F082-CCAD-2A7DC8BAF387}"/>
+              </a:ext>
+            </a:extLst>
+          </p:cNvPr>
+          <p:cNvSpPr>
+            <a:spLocks noGrp="1"/>
+          </p:cNvSpPr>
+          <p:nvPr>
+            <p:ph type="dt" sz="half" idx="10"/>
+          </p:nvPr>
+        </p:nvSpPr>
+        <p:spPr/>
+        <p:txBody>
+          <a:bodyPr/>
+          <a:lstStyle/>
+          <a:p>
+            <a:fld id="{6700A58B-DD98-43D0-B791-721480A02982}" type="datetime1">
+              <a:rPr lang="en-US" smtClean="0"/>
+              <a:t>3/21/23</a:t>
+            </a:fld>
+            <a:endParaRPr lang="en-US"/>
+          </a:p>
+        </p:txBody>
+      </p:sp>
+      <p:sp>
+        <p:nvSpPr>
+          <p:cNvPr id="3" name="Title 2">
+            <a:extLst>
+              <a:ext uri="{FF2B5EF4-FFF2-40B4-BE49-F238E27FC236}">
+                <a16:creationId xmlns:a16="http://schemas.microsoft.com/office/drawing/2014/main" id="{7AD04530-468E-6011-5D0B-7F98821B2175}"/>
+              </a:ext>
+            </a:extLst>
+          </p:cNvPr>
+          <p:cNvSpPr>
+            <a:spLocks noGrp="1"/>
+          </p:cNvSpPr>
+          <p:nvPr>
+            <p:ph type="title"/>
+          </p:nvPr>
+        </p:nvSpPr>
+        <p:spPr/>
+        <p:txBody>
+          <a:bodyPr/>
+          <a:lstStyle/>
+          <a:p>
+            <a:endParaRPr lang="en-US"/>
+          </a:p>
+        </p:txBody>
+      </p:sp>
+      <p:sp>
+        <p:nvSpPr>
+          <p:cNvPr id="4" name="Slide Number Placeholder 3">
+            <a:extLst>
+              <a:ext uri="{FF2B5EF4-FFF2-40B4-BE49-F238E27FC236}">
+                <a16:creationId xmlns:a16="http://schemas.microsoft.com/office/drawing/2014/main" id="{3DC6BB46-7ABA-C4FC-D479-3AF57ED7F02E}"/>
+              </a:ext>
+            </a:extLst>
+          </p:cNvPr>
+          <p:cNvSpPr>
+            <a:spLocks noGrp="1"/>
+          </p:cNvSpPr>
+          <p:nvPr>
+            <p:ph type="sldNum" sz="quarter" idx="12"/>
+          </p:nvPr>
+        </p:nvSpPr>
+        <p:spPr/>
+        <p:txBody>
+          <a:bodyPr/>
+          <a:lstStyle/>
+          <a:p>
+            <a:fld id="{37290FF7-652B-4475-AEAB-8B1A5D23AE09}" type="slidenum">
+              <a:rPr lang="en-US" smtClean="0"/>
+              <a:t>9</a:t>
+            </a:fld>
+            <a:endParaRPr lang="en-US"/>
+          </a:p>
+        </p:txBody>
+      </p:sp>
+      <p:sp>
+        <p:nvSpPr>
+          <p:cNvPr id="5" name="Footer Placeholder 4">
+            <a:extLst>
+              <a:ext uri="{FF2B5EF4-FFF2-40B4-BE49-F238E27FC236}">
+                <a16:creationId xmlns:a16="http://schemas.microsoft.com/office/drawing/2014/main" id="{3ECFE73B-6114-8A49-831C-1EFD954CB40C}"/>
+              </a:ext>
+            </a:extLst>
+          </p:cNvPr>
+          <p:cNvSpPr>
+            <a:spLocks noGrp="1"/>
+          </p:cNvSpPr>
+          <p:nvPr>
+            <p:ph type="ftr" sz="quarter" idx="3"/>
+          </p:nvPr>
+        </p:nvSpPr>
+        <p:spPr/>
+        <p:txBody>
+          <a:bodyPr/>
+          <a:lstStyle/>
+          <a:p>
+            <a:r>
+              <a:rPr lang="en-US"/>
+              <a:t>Kwartler CSCI 6</a:t>
+            </a:r>
+            <a:endParaRPr lang="en-US" dirty="0"/>
+          </a:p>
+        </p:txBody>
+      </p:sp>
+      <p:pic>
+        <p:nvPicPr>
+          <p:cNvPr id="6" name="Picture 5">
+            <a:extLst>
+              <a:ext uri="{FF2B5EF4-FFF2-40B4-BE49-F238E27FC236}">
+                <a16:creationId xmlns:a16="http://schemas.microsoft.com/office/drawing/2014/main" id="{1A9C8DB8-98B2-848D-50AA-52B403550AF0}"/>
+              </a:ext>
+            </a:extLst>
+          </p:cNvPr>
+          <p:cNvPicPr>
+            <a:picLocks noChangeAspect="1"/>
+          </p:cNvPicPr>
+          <p:nvPr/>
+        </p:nvPicPr>
+        <p:blipFill>
+          <a:blip r:embed="rId2"/>
+          <a:stretch>
+            <a:fillRect/>
+          </a:stretch>
+        </p:blipFill>
+        <p:spPr>
+          <a:xfrm>
+            <a:off x="3239831" y="1591602"/>
+            <a:ext cx="5724490" cy="3577806"/>
+          </a:xfrm>
+          <a:prstGeom prst="rect">
+            <a:avLst/>
+          </a:prstGeom>
+        </p:spPr>
+      </p:pic>
+      <p:sp>
+        <p:nvSpPr>
+          <p:cNvPr id="7" name="TextBox 6">
+            <a:extLst>
+              <a:ext uri="{FF2B5EF4-FFF2-40B4-BE49-F238E27FC236}">
+                <a16:creationId xmlns:a16="http://schemas.microsoft.com/office/drawing/2014/main" id="{63476179-E05F-9B57-3FAE-944E2AD98107}"/>
+              </a:ext>
+            </a:extLst>
+          </p:cNvPr>
+          <p:cNvSpPr txBox="1"/>
+          <p:nvPr/>
+        </p:nvSpPr>
+        <p:spPr>
+          <a:xfrm>
+            <a:off x="258318" y="2014760"/>
+            <a:ext cx="2875026" cy="1477328"/>
+          </a:xfrm>
+          <a:prstGeom prst="rect">
+            <a:avLst/>
+          </a:prstGeom>
+          <a:noFill/>
+        </p:spPr>
+        <p:txBody>
+          <a:bodyPr wrap="square" rtlCol="0">
+            <a:spAutoFit/>
+          </a:bodyPr>
+          <a:lstStyle/>
+          <a:p>
+            <a:r>
+              <a:rPr lang="en-US" dirty="0"/>
+              <a:t>Within the developer panel, you will see it highlight again right click or control-click.</a:t>
+            </a:r>
+          </a:p>
+          <a:p>
+            <a:r>
+              <a:rPr lang="en-US" dirty="0"/>
+              <a:t>Select COPY &gt; Copy full </a:t>
+            </a:r>
+            <a:r>
+              <a:rPr lang="en-US" dirty="0" err="1"/>
+              <a:t>Xpath</a:t>
+            </a:r>
+            <a:r>
+              <a:rPr lang="en-US" dirty="0"/>
+              <a:t>.</a:t>
+            </a:r>
+          </a:p>
+        </p:txBody>
+      </p:sp>
+      <p:sp>
+        <p:nvSpPr>
+          <p:cNvPr id="8" name="TextBox 7">
+            <a:extLst>
+              <a:ext uri="{FF2B5EF4-FFF2-40B4-BE49-F238E27FC236}">
+                <a16:creationId xmlns:a16="http://schemas.microsoft.com/office/drawing/2014/main" id="{4E725702-4E46-A4E4-8598-89CCC5089F0D}"/>
+              </a:ext>
+            </a:extLst>
+          </p:cNvPr>
+          <p:cNvSpPr txBox="1"/>
+          <p:nvPr/>
+        </p:nvSpPr>
+        <p:spPr>
+          <a:xfrm>
+            <a:off x="219837" y="5674328"/>
+            <a:ext cx="2875026" cy="461665"/>
+          </a:xfrm>
+          <a:prstGeom prst="rect">
+            <a:avLst/>
+          </a:prstGeom>
+          <a:noFill/>
+        </p:spPr>
+        <p:txBody>
+          <a:bodyPr wrap="square" rtlCol="0">
+            <a:spAutoFit/>
+          </a:bodyPr>
+          <a:lstStyle/>
+          <a:p>
+            <a:r>
+              <a:rPr lang="en-US" sz="1200" i="1" dirty="0"/>
+              <a:t>On some sites, I’ve had better luck with just Copy </a:t>
+            </a:r>
+            <a:r>
+              <a:rPr lang="en-US" sz="1200" i="1" dirty="0" err="1"/>
+              <a:t>Xpath</a:t>
+            </a:r>
+            <a:r>
+              <a:rPr lang="en-US" sz="1200" i="1" dirty="0"/>
+              <a:t> not full </a:t>
+            </a:r>
+            <a:r>
+              <a:rPr lang="en-US" sz="1200" i="1" dirty="0" err="1"/>
+              <a:t>xpath</a:t>
+            </a:r>
+            <a:r>
+              <a:rPr lang="en-US" sz="1200" i="1" dirty="0"/>
+              <a:t>…it all depends!</a:t>
+            </a:r>
+          </a:p>
+        </p:txBody>
+      </p:sp>
+    </p:spTree>
+    <p:extLst>
+      <p:ext uri="{BB962C8B-B14F-4D97-AF65-F5344CB8AC3E}">
+        <p14:creationId xmlns:p14="http://schemas.microsoft.com/office/powerpoint/2010/main" val="2156091310"/>
       </p:ext>
     </p:extLst>
   </p:cSld>
